--- a/001. 기획 및 설계 문서/아키텍쳐/아키텍쳐v0.1.pptx
+++ b/001. 기획 및 설계 문서/아키텍쳐/아키텍쳐v0.1.pptx
@@ -259,7 +259,7 @@
           <a:p>
             <a:fld id="{748C2B11-4FAA-4F67-8097-508FAB0320F8}" type="datetimeFigureOut">
               <a:rPr lang="ko-KR" altLang="en-US" smtClean="0"/>
-              <a:t>2021-02-02</a:t>
+              <a:t>2021-03-26</a:t>
             </a:fld>
             <a:endParaRPr lang="ko-KR" altLang="en-US"/>
           </a:p>
@@ -457,7 +457,7 @@
           <a:p>
             <a:fld id="{748C2B11-4FAA-4F67-8097-508FAB0320F8}" type="datetimeFigureOut">
               <a:rPr lang="ko-KR" altLang="en-US" smtClean="0"/>
-              <a:t>2021-02-02</a:t>
+              <a:t>2021-03-26</a:t>
             </a:fld>
             <a:endParaRPr lang="ko-KR" altLang="en-US"/>
           </a:p>
@@ -665,7 +665,7 @@
           <a:p>
             <a:fld id="{748C2B11-4FAA-4F67-8097-508FAB0320F8}" type="datetimeFigureOut">
               <a:rPr lang="ko-KR" altLang="en-US" smtClean="0"/>
-              <a:t>2021-02-02</a:t>
+              <a:t>2021-03-26</a:t>
             </a:fld>
             <a:endParaRPr lang="ko-KR" altLang="en-US"/>
           </a:p>
@@ -863,7 +863,7 @@
           <a:p>
             <a:fld id="{748C2B11-4FAA-4F67-8097-508FAB0320F8}" type="datetimeFigureOut">
               <a:rPr lang="ko-KR" altLang="en-US" smtClean="0"/>
-              <a:t>2021-02-02</a:t>
+              <a:t>2021-03-26</a:t>
             </a:fld>
             <a:endParaRPr lang="ko-KR" altLang="en-US"/>
           </a:p>
@@ -1138,7 +1138,7 @@
           <a:p>
             <a:fld id="{748C2B11-4FAA-4F67-8097-508FAB0320F8}" type="datetimeFigureOut">
               <a:rPr lang="ko-KR" altLang="en-US" smtClean="0"/>
-              <a:t>2021-02-02</a:t>
+              <a:t>2021-03-26</a:t>
             </a:fld>
             <a:endParaRPr lang="ko-KR" altLang="en-US"/>
           </a:p>
@@ -1403,7 +1403,7 @@
           <a:p>
             <a:fld id="{748C2B11-4FAA-4F67-8097-508FAB0320F8}" type="datetimeFigureOut">
               <a:rPr lang="ko-KR" altLang="en-US" smtClean="0"/>
-              <a:t>2021-02-02</a:t>
+              <a:t>2021-03-26</a:t>
             </a:fld>
             <a:endParaRPr lang="ko-KR" altLang="en-US"/>
           </a:p>
@@ -1815,7 +1815,7 @@
           <a:p>
             <a:fld id="{748C2B11-4FAA-4F67-8097-508FAB0320F8}" type="datetimeFigureOut">
               <a:rPr lang="ko-KR" altLang="en-US" smtClean="0"/>
-              <a:t>2021-02-02</a:t>
+              <a:t>2021-03-26</a:t>
             </a:fld>
             <a:endParaRPr lang="ko-KR" altLang="en-US"/>
           </a:p>
@@ -1956,7 +1956,7 @@
           <a:p>
             <a:fld id="{748C2B11-4FAA-4F67-8097-508FAB0320F8}" type="datetimeFigureOut">
               <a:rPr lang="ko-KR" altLang="en-US" smtClean="0"/>
-              <a:t>2021-02-02</a:t>
+              <a:t>2021-03-26</a:t>
             </a:fld>
             <a:endParaRPr lang="ko-KR" altLang="en-US"/>
           </a:p>
@@ -2069,7 +2069,7 @@
           <a:p>
             <a:fld id="{748C2B11-4FAA-4F67-8097-508FAB0320F8}" type="datetimeFigureOut">
               <a:rPr lang="ko-KR" altLang="en-US" smtClean="0"/>
-              <a:t>2021-02-02</a:t>
+              <a:t>2021-03-26</a:t>
             </a:fld>
             <a:endParaRPr lang="ko-KR" altLang="en-US"/>
           </a:p>
@@ -2380,7 +2380,7 @@
           <a:p>
             <a:fld id="{748C2B11-4FAA-4F67-8097-508FAB0320F8}" type="datetimeFigureOut">
               <a:rPr lang="ko-KR" altLang="en-US" smtClean="0"/>
-              <a:t>2021-02-02</a:t>
+              <a:t>2021-03-26</a:t>
             </a:fld>
             <a:endParaRPr lang="ko-KR" altLang="en-US"/>
           </a:p>
@@ -2668,7 +2668,7 @@
           <a:p>
             <a:fld id="{748C2B11-4FAA-4F67-8097-508FAB0320F8}" type="datetimeFigureOut">
               <a:rPr lang="ko-KR" altLang="en-US" smtClean="0"/>
-              <a:t>2021-02-02</a:t>
+              <a:t>2021-03-26</a:t>
             </a:fld>
             <a:endParaRPr lang="ko-KR" altLang="en-US"/>
           </a:p>
@@ -2909,7 +2909,7 @@
           <a:p>
             <a:fld id="{748C2B11-4FAA-4F67-8097-508FAB0320F8}" type="datetimeFigureOut">
               <a:rPr lang="ko-KR" altLang="en-US" smtClean="0"/>
-              <a:t>2021-02-02</a:t>
+              <a:t>2021-03-26</a:t>
             </a:fld>
             <a:endParaRPr lang="ko-KR" altLang="en-US"/>
           </a:p>
@@ -3328,10 +3328,10 @@
       </p:grpSpPr>
       <p:grpSp>
         <p:nvGrpSpPr>
-          <p:cNvPr id="11" name="그룹 10">
-            <a:extLst>
-              <a:ext uri="{FF2B5EF4-FFF2-40B4-BE49-F238E27FC236}">
-                <a16:creationId xmlns:a16="http://schemas.microsoft.com/office/drawing/2014/main" id="{098B2466-51AD-479E-8C6A-AA600E527F4A}"/>
+          <p:cNvPr id="30" name="그룹 29">
+            <a:extLst>
+              <a:ext uri="{FF2B5EF4-FFF2-40B4-BE49-F238E27FC236}">
+                <a16:creationId xmlns:a16="http://schemas.microsoft.com/office/drawing/2014/main" id="{9A7D13D4-2300-4954-A8E8-984B658E7249}"/>
               </a:ext>
             </a:extLst>
           </p:cNvPr>
@@ -3346,12 +3346,159 @@
             <a:chExt cx="12149309" cy="5978891"/>
           </a:xfrm>
         </p:grpSpPr>
+        <p:pic>
+          <p:nvPicPr>
+            <p:cNvPr id="76" name="그림 75">
+              <a:extLst>
+                <a:ext uri="{FF2B5EF4-FFF2-40B4-BE49-F238E27FC236}">
+                  <a16:creationId xmlns:a16="http://schemas.microsoft.com/office/drawing/2014/main" id="{FB1C6B4F-95B3-4352-BE31-F01FB1629848}"/>
+                </a:ext>
+              </a:extLst>
+            </p:cNvPr>
+            <p:cNvPicPr>
+              <a:picLocks noChangeAspect="1"/>
+            </p:cNvPicPr>
+            <p:nvPr/>
+          </p:nvPicPr>
+          <p:blipFill rotWithShape="1">
+            <a:blip r:embed="rId2">
+              <a:extLst>
+                <a:ext uri="{28A0092B-C50C-407E-A947-70E740481C1C}">
+                  <a14:useLocalDpi xmlns:a14="http://schemas.microsoft.com/office/drawing/2010/main" val="0"/>
+                </a:ext>
+              </a:extLst>
+            </a:blip>
+            <a:srcRect l="19375" t="41382" r="34174" b="-5624"/>
+            <a:stretch/>
+          </p:blipFill>
+          <p:spPr>
+            <a:xfrm rot="16200000">
+              <a:off x="6856504" y="406809"/>
+              <a:ext cx="3229602" cy="7165212"/>
+            </a:xfrm>
+            <a:prstGeom prst="rect">
+              <a:avLst/>
+            </a:prstGeom>
+          </p:spPr>
+        </p:pic>
+        <p:sp>
+          <p:nvSpPr>
+            <p:cNvPr id="27" name="사각형: 둥근 모서리 26">
+              <a:extLst>
+                <a:ext uri="{FF2B5EF4-FFF2-40B4-BE49-F238E27FC236}">
+                  <a16:creationId xmlns:a16="http://schemas.microsoft.com/office/drawing/2014/main" id="{7959EAAF-6D6D-4704-B1E3-5920966A40BD}"/>
+                </a:ext>
+              </a:extLst>
+            </p:cNvPr>
+            <p:cNvSpPr/>
+            <p:nvPr/>
+          </p:nvSpPr>
+          <p:spPr>
+            <a:xfrm>
+              <a:off x="415263" y="2584377"/>
+              <a:ext cx="1905431" cy="1821215"/>
+            </a:xfrm>
+            <a:prstGeom prst="roundRect">
+              <a:avLst>
+                <a:gd name="adj" fmla="val 8244"/>
+              </a:avLst>
+            </a:prstGeom>
+            <a:noFill/>
+            <a:ln>
+              <a:solidFill>
+                <a:schemeClr val="bg1">
+                  <a:lumMod val="65000"/>
+                </a:schemeClr>
+              </a:solidFill>
+            </a:ln>
+          </p:spPr>
+          <p:style>
+            <a:lnRef idx="2">
+              <a:schemeClr val="accent1">
+                <a:shade val="50000"/>
+              </a:schemeClr>
+            </a:lnRef>
+            <a:fillRef idx="1">
+              <a:schemeClr val="accent1"/>
+            </a:fillRef>
+            <a:effectRef idx="0">
+              <a:schemeClr val="accent1"/>
+            </a:effectRef>
+            <a:fontRef idx="minor">
+              <a:schemeClr val="lt1"/>
+            </a:fontRef>
+          </p:style>
+          <p:txBody>
+            <a:bodyPr rtlCol="0" anchor="ctr"/>
+            <a:lstStyle/>
+            <a:p>
+              <a:pPr algn="ctr"/>
+              <a:endParaRPr lang="ko-KR" altLang="en-US"/>
+            </a:p>
+          </p:txBody>
+        </p:sp>
+        <p:sp>
+          <p:nvSpPr>
+            <p:cNvPr id="2" name="사각형: 둥근 모서리 1">
+              <a:extLst>
+                <a:ext uri="{FF2B5EF4-FFF2-40B4-BE49-F238E27FC236}">
+                  <a16:creationId xmlns:a16="http://schemas.microsoft.com/office/drawing/2014/main" id="{934B4244-D9A7-4F2C-8B00-DAC0BF313C76}"/>
+                </a:ext>
+              </a:extLst>
+            </p:cNvPr>
+            <p:cNvSpPr/>
+            <p:nvPr/>
+          </p:nvSpPr>
+          <p:spPr>
+            <a:xfrm>
+              <a:off x="2895552" y="916391"/>
+              <a:ext cx="6496380" cy="5435033"/>
+            </a:xfrm>
+            <a:prstGeom prst="roundRect">
+              <a:avLst>
+                <a:gd name="adj" fmla="val 5203"/>
+              </a:avLst>
+            </a:prstGeom>
+            <a:noFill/>
+            <a:ln>
+              <a:solidFill>
+                <a:schemeClr val="bg1">
+                  <a:lumMod val="65000"/>
+                </a:schemeClr>
+              </a:solidFill>
+            </a:ln>
+          </p:spPr>
+          <p:style>
+            <a:lnRef idx="2">
+              <a:schemeClr val="accent1">
+                <a:shade val="50000"/>
+              </a:schemeClr>
+            </a:lnRef>
+            <a:fillRef idx="1">
+              <a:schemeClr val="accent1"/>
+            </a:fillRef>
+            <a:effectRef idx="0">
+              <a:schemeClr val="accent1"/>
+            </a:effectRef>
+            <a:fontRef idx="minor">
+              <a:schemeClr val="lt1"/>
+            </a:fontRef>
+          </p:style>
+          <p:txBody>
+            <a:bodyPr rtlCol="0" anchor="ctr"/>
+            <a:lstStyle/>
+            <a:p>
+              <a:pPr algn="ctr"/>
+              <a:endParaRPr lang="ko-KR" altLang="en-US"/>
+            </a:p>
+          </p:txBody>
+        </p:sp>
         <p:grpSp>
           <p:nvGrpSpPr>
-            <p:cNvPr id="10" name="그룹 9">
+            <p:cNvPr id="4" name="그룹 3">
               <a:extLst>
                 <a:ext uri="{FF2B5EF4-FFF2-40B4-BE49-F238E27FC236}">
-                  <a16:creationId xmlns:a16="http://schemas.microsoft.com/office/drawing/2014/main" id="{62762946-B87C-4E63-82A9-B9D0A9378D14}"/>
+                  <a16:creationId xmlns:a16="http://schemas.microsoft.com/office/drawing/2014/main" id="{56093958-6DF4-4DF6-B667-BB84107A9F47}"/>
                 </a:ext>
               </a:extLst>
             </p:cNvPr>
@@ -3360,18 +3507,18 @@
           </p:nvGrpSpPr>
           <p:grpSpPr>
             <a:xfrm>
-              <a:off x="415263" y="372533"/>
-              <a:ext cx="12149309" cy="5978891"/>
-              <a:chOff x="415263" y="372533"/>
-              <a:chExt cx="12149309" cy="5978891"/>
+              <a:off x="3386619" y="372533"/>
+              <a:ext cx="1479542" cy="1100667"/>
+              <a:chOff x="1761067" y="321733"/>
+              <a:chExt cx="1479542" cy="1100667"/>
             </a:xfrm>
           </p:grpSpPr>
           <p:sp>
             <p:nvSpPr>
-              <p:cNvPr id="27" name="사각형: 둥근 모서리 26">
+              <p:cNvPr id="3" name="직사각형 2">
                 <a:extLst>
                   <a:ext uri="{FF2B5EF4-FFF2-40B4-BE49-F238E27FC236}">
-                    <a16:creationId xmlns:a16="http://schemas.microsoft.com/office/drawing/2014/main" id="{7959EAAF-6D6D-4704-B1E3-5920966A40BD}"/>
+                    <a16:creationId xmlns:a16="http://schemas.microsoft.com/office/drawing/2014/main" id="{676FAFB4-73F9-4703-B759-08B8182EDAA1}"/>
                   </a:ext>
                 </a:extLst>
               </p:cNvPr>
@@ -3380,8 +3527,1130 @@
             </p:nvSpPr>
             <p:spPr>
               <a:xfrm>
-                <a:off x="415263" y="2584377"/>
-                <a:ext cx="1905431" cy="1821215"/>
+                <a:off x="1761067" y="321733"/>
+                <a:ext cx="1202266" cy="1100667"/>
+              </a:xfrm>
+              <a:prstGeom prst="rect">
+                <a:avLst/>
+              </a:prstGeom>
+              <a:solidFill>
+                <a:schemeClr val="bg1"/>
+              </a:solidFill>
+              <a:ln>
+                <a:noFill/>
+              </a:ln>
+            </p:spPr>
+            <p:style>
+              <a:lnRef idx="2">
+                <a:schemeClr val="accent1">
+                  <a:shade val="50000"/>
+                </a:schemeClr>
+              </a:lnRef>
+              <a:fillRef idx="1">
+                <a:schemeClr val="accent1"/>
+              </a:fillRef>
+              <a:effectRef idx="0">
+                <a:schemeClr val="accent1"/>
+              </a:effectRef>
+              <a:fontRef idx="minor">
+                <a:schemeClr val="lt1"/>
+              </a:fontRef>
+            </p:style>
+            <p:txBody>
+              <a:bodyPr rtlCol="0" anchor="ctr"/>
+              <a:lstStyle/>
+              <a:p>
+                <a:pPr algn="ctr"/>
+                <a:endParaRPr lang="ko-KR" altLang="en-US"/>
+              </a:p>
+            </p:txBody>
+          </p:sp>
+          <p:grpSp>
+            <p:nvGrpSpPr>
+              <p:cNvPr id="7" name="그룹 6">
+                <a:extLst>
+                  <a:ext uri="{FF2B5EF4-FFF2-40B4-BE49-F238E27FC236}">
+                    <a16:creationId xmlns:a16="http://schemas.microsoft.com/office/drawing/2014/main" id="{25F963CC-D5DF-4FDC-97B0-B7EB1012DEBC}"/>
+                  </a:ext>
+                </a:extLst>
+              </p:cNvPr>
+              <p:cNvGrpSpPr/>
+              <p:nvPr/>
+            </p:nvGrpSpPr>
+            <p:grpSpPr>
+              <a:xfrm>
+                <a:off x="1892983" y="455776"/>
+                <a:ext cx="1347626" cy="819630"/>
+                <a:chOff x="2118408" y="785813"/>
+                <a:chExt cx="1347626" cy="819630"/>
+              </a:xfrm>
+            </p:grpSpPr>
+            <p:pic>
+              <p:nvPicPr>
+                <p:cNvPr id="5" name="그림 4">
+                  <a:extLst>
+                    <a:ext uri="{FF2B5EF4-FFF2-40B4-BE49-F238E27FC236}">
+                      <a16:creationId xmlns:a16="http://schemas.microsoft.com/office/drawing/2014/main" id="{2AD85327-9B1D-423A-A63D-08F297621294}"/>
+                    </a:ext>
+                  </a:extLst>
+                </p:cNvPr>
+                <p:cNvPicPr>
+                  <a:picLocks noChangeAspect="1"/>
+                </p:cNvPicPr>
+                <p:nvPr/>
+              </p:nvPicPr>
+              <p:blipFill>
+                <a:blip r:embed="rId3">
+                  <a:extLst>
+                    <a:ext uri="{28A0092B-C50C-407E-A947-70E740481C1C}">
+                      <a14:useLocalDpi xmlns:a14="http://schemas.microsoft.com/office/drawing/2010/main" val="0"/>
+                    </a:ext>
+                  </a:extLst>
+                </a:blip>
+                <a:stretch>
+                  <a:fillRect/>
+                </a:stretch>
+              </p:blipFill>
+              <p:spPr>
+                <a:xfrm>
+                  <a:off x="2118408" y="785813"/>
+                  <a:ext cx="945218" cy="591576"/>
+                </a:xfrm>
+                <a:prstGeom prst="rect">
+                  <a:avLst/>
+                </a:prstGeom>
+              </p:spPr>
+            </p:pic>
+            <p:sp>
+              <p:nvSpPr>
+                <p:cNvPr id="6" name="TextBox 5">
+                  <a:extLst>
+                    <a:ext uri="{FF2B5EF4-FFF2-40B4-BE49-F238E27FC236}">
+                      <a16:creationId xmlns:a16="http://schemas.microsoft.com/office/drawing/2014/main" id="{9E5D7185-12C2-433C-8957-21291649A4E8}"/>
+                    </a:ext>
+                  </a:extLst>
+                </p:cNvPr>
+                <p:cNvSpPr txBox="1"/>
+                <p:nvPr/>
+              </p:nvSpPr>
+              <p:spPr>
+                <a:xfrm>
+                  <a:off x="2135186" y="1343833"/>
+                  <a:ext cx="1330848" cy="261610"/>
+                </a:xfrm>
+                <a:prstGeom prst="rect">
+                  <a:avLst/>
+                </a:prstGeom>
+                <a:noFill/>
+              </p:spPr>
+              <p:txBody>
+                <a:bodyPr wrap="square" rtlCol="0">
+                  <a:spAutoFit/>
+                </a:bodyPr>
+                <a:lstStyle/>
+                <a:p>
+                  <a:r>
+                    <a:rPr lang="en-US" altLang="ko-KR" sz="1100" dirty="0">
+                      <a:latin typeface="Microsoft GothicNeo" panose="020B0500000101010101" pitchFamily="50" charset="-127"/>
+                      <a:ea typeface="Microsoft GothicNeo" panose="020B0500000101010101" pitchFamily="50" charset="-127"/>
+                      <a:cs typeface="Microsoft GothicNeo" panose="020B0500000101010101" pitchFamily="50" charset="-127"/>
+                    </a:rPr>
+                    <a:t>AWS Cloud</a:t>
+                  </a:r>
+                  <a:endParaRPr lang="ko-KR" altLang="en-US" sz="1100" dirty="0">
+                    <a:latin typeface="Microsoft GothicNeo" panose="020B0500000101010101" pitchFamily="50" charset="-127"/>
+                    <a:ea typeface="Microsoft GothicNeo" panose="020B0500000101010101" pitchFamily="50" charset="-127"/>
+                    <a:cs typeface="Microsoft GothicNeo" panose="020B0500000101010101" pitchFamily="50" charset="-127"/>
+                  </a:endParaRPr>
+                </a:p>
+              </p:txBody>
+            </p:sp>
+          </p:grpSp>
+        </p:grpSp>
+        <p:grpSp>
+          <p:nvGrpSpPr>
+            <p:cNvPr id="8" name="그룹 7">
+              <a:extLst>
+                <a:ext uri="{FF2B5EF4-FFF2-40B4-BE49-F238E27FC236}">
+                  <a16:creationId xmlns:a16="http://schemas.microsoft.com/office/drawing/2014/main" id="{E429699E-1C39-4BDB-9DF9-DFB6A889B1AC}"/>
+                </a:ext>
+              </a:extLst>
+            </p:cNvPr>
+            <p:cNvGrpSpPr/>
+            <p:nvPr/>
+          </p:nvGrpSpPr>
+          <p:grpSpPr>
+            <a:xfrm>
+              <a:off x="2386673" y="1163702"/>
+              <a:ext cx="3727134" cy="1544237"/>
+              <a:chOff x="957701" y="1884762"/>
+              <a:chExt cx="3727134" cy="1544237"/>
+            </a:xfrm>
+          </p:grpSpPr>
+          <p:pic>
+            <p:nvPicPr>
+              <p:cNvPr id="1026" name="Picture 2" descr="WordPress Amazon S3 Storage Plugin">
+                <a:extLst>
+                  <a:ext uri="{FF2B5EF4-FFF2-40B4-BE49-F238E27FC236}">
+                    <a16:creationId xmlns:a16="http://schemas.microsoft.com/office/drawing/2014/main" id="{70B07915-8285-4CDE-8981-8D9A9C6DB34E}"/>
+                  </a:ext>
+                </a:extLst>
+              </p:cNvPr>
+              <p:cNvPicPr>
+                <a:picLocks noChangeAspect="1" noChangeArrowheads="1"/>
+              </p:cNvPicPr>
+              <p:nvPr/>
+            </p:nvPicPr>
+            <p:blipFill>
+              <a:blip r:embed="rId4">
+                <a:extLst>
+                  <a:ext uri="{28A0092B-C50C-407E-A947-70E740481C1C}">
+                    <a14:useLocalDpi xmlns:a14="http://schemas.microsoft.com/office/drawing/2010/main" val="0"/>
+                  </a:ext>
+                </a:extLst>
+              </a:blip>
+              <a:srcRect/>
+              <a:stretch>
+                <a:fillRect/>
+              </a:stretch>
+            </p:blipFill>
+            <p:spPr bwMode="auto">
+              <a:xfrm>
+                <a:off x="957701" y="1884762"/>
+                <a:ext cx="3727134" cy="1544237"/>
+              </a:xfrm>
+              <a:prstGeom prst="rect">
+                <a:avLst/>
+              </a:prstGeom>
+              <a:noFill/>
+              <a:extLst>
+                <a:ext uri="{909E8E84-426E-40DD-AFC4-6F175D3DCCD1}">
+                  <a14:hiddenFill xmlns:a14="http://schemas.microsoft.com/office/drawing/2010/main">
+                    <a:solidFill>
+                      <a:srgbClr val="FFFFFF"/>
+                    </a:solidFill>
+                  </a14:hiddenFill>
+                </a:ext>
+              </a:extLst>
+            </p:spPr>
+          </p:pic>
+          <p:sp>
+            <p:nvSpPr>
+              <p:cNvPr id="9" name="TextBox 8">
+                <a:extLst>
+                  <a:ext uri="{FF2B5EF4-FFF2-40B4-BE49-F238E27FC236}">
+                    <a16:creationId xmlns:a16="http://schemas.microsoft.com/office/drawing/2014/main" id="{3C1D2A7E-3583-4A8F-BDB5-1E8B3F989903}"/>
+                  </a:ext>
+                </a:extLst>
+              </p:cNvPr>
+              <p:cNvSpPr txBox="1"/>
+              <p:nvPr/>
+            </p:nvSpPr>
+            <p:spPr>
+              <a:xfrm>
+                <a:off x="2480731" y="3048858"/>
+                <a:ext cx="1330848" cy="261610"/>
+              </a:xfrm>
+              <a:prstGeom prst="rect">
+                <a:avLst/>
+              </a:prstGeom>
+              <a:noFill/>
+            </p:spPr>
+            <p:txBody>
+              <a:bodyPr wrap="square" rtlCol="0">
+                <a:spAutoFit/>
+              </a:bodyPr>
+              <a:lstStyle/>
+              <a:p>
+                <a:r>
+                  <a:rPr lang="en-US" altLang="ko-KR" sz="1100" dirty="0">
+                    <a:latin typeface="Microsoft GothicNeo" panose="020B0500000101010101" pitchFamily="50" charset="-127"/>
+                    <a:ea typeface="Microsoft GothicNeo" panose="020B0500000101010101" pitchFamily="50" charset="-127"/>
+                    <a:cs typeface="Microsoft GothicNeo" panose="020B0500000101010101" pitchFamily="50" charset="-127"/>
+                  </a:rPr>
+                  <a:t>AWS S3</a:t>
+                </a:r>
+                <a:endParaRPr lang="ko-KR" altLang="en-US" sz="1100" dirty="0">
+                  <a:latin typeface="Microsoft GothicNeo" panose="020B0500000101010101" pitchFamily="50" charset="-127"/>
+                  <a:ea typeface="Microsoft GothicNeo" panose="020B0500000101010101" pitchFamily="50" charset="-127"/>
+                  <a:cs typeface="Microsoft GothicNeo" panose="020B0500000101010101" pitchFamily="50" charset="-127"/>
+                </a:endParaRPr>
+              </a:p>
+            </p:txBody>
+          </p:sp>
+        </p:grpSp>
+        <p:grpSp>
+          <p:nvGrpSpPr>
+            <p:cNvPr id="14" name="그룹 13">
+              <a:extLst>
+                <a:ext uri="{FF2B5EF4-FFF2-40B4-BE49-F238E27FC236}">
+                  <a16:creationId xmlns:a16="http://schemas.microsoft.com/office/drawing/2014/main" id="{C578CD97-EBE7-4396-9CDE-C51AF8482338}"/>
+                </a:ext>
+              </a:extLst>
+            </p:cNvPr>
+            <p:cNvGrpSpPr/>
+            <p:nvPr/>
+          </p:nvGrpSpPr>
+          <p:grpSpPr>
+            <a:xfrm>
+              <a:off x="5611347" y="1537888"/>
+              <a:ext cx="1340358" cy="1057475"/>
+              <a:chOff x="4237535" y="2252991"/>
+              <a:chExt cx="1340358" cy="1057475"/>
+            </a:xfrm>
+          </p:grpSpPr>
+          <p:pic>
+            <p:nvPicPr>
+              <p:cNvPr id="1030" name="Picture 6" descr="ec2-icon">
+                <a:extLst>
+                  <a:ext uri="{FF2B5EF4-FFF2-40B4-BE49-F238E27FC236}">
+                    <a16:creationId xmlns:a16="http://schemas.microsoft.com/office/drawing/2014/main" id="{B76ECCC0-CF93-46CB-AA86-25B3B1CA9E1A}"/>
+                  </a:ext>
+                </a:extLst>
+              </p:cNvPr>
+              <p:cNvPicPr>
+                <a:picLocks noChangeAspect="1" noChangeArrowheads="1"/>
+              </p:cNvPicPr>
+              <p:nvPr/>
+            </p:nvPicPr>
+            <p:blipFill rotWithShape="1">
+              <a:blip r:embed="rId5">
+                <a:extLst>
+                  <a:ext uri="{28A0092B-C50C-407E-A947-70E740481C1C}">
+                    <a14:useLocalDpi xmlns:a14="http://schemas.microsoft.com/office/drawing/2010/main" val="0"/>
+                  </a:ext>
+                </a:extLst>
+              </a:blip>
+              <a:srcRect l="10626" t="2371" r="11775" b="16324"/>
+              <a:stretch/>
+            </p:blipFill>
+            <p:spPr bwMode="auto">
+              <a:xfrm>
+                <a:off x="4237535" y="2252991"/>
+                <a:ext cx="759599" cy="795867"/>
+              </a:xfrm>
+              <a:prstGeom prst="rect">
+                <a:avLst/>
+              </a:prstGeom>
+              <a:noFill/>
+              <a:extLst>
+                <a:ext uri="{909E8E84-426E-40DD-AFC4-6F175D3DCCD1}">
+                  <a14:hiddenFill xmlns:a14="http://schemas.microsoft.com/office/drawing/2010/main">
+                    <a:solidFill>
+                      <a:srgbClr val="FFFFFF"/>
+                    </a:solidFill>
+                  </a14:hiddenFill>
+                </a:ext>
+              </a:extLst>
+            </p:spPr>
+          </p:pic>
+          <p:sp>
+            <p:nvSpPr>
+              <p:cNvPr id="16" name="TextBox 15">
+                <a:extLst>
+                  <a:ext uri="{FF2B5EF4-FFF2-40B4-BE49-F238E27FC236}">
+                    <a16:creationId xmlns:a16="http://schemas.microsoft.com/office/drawing/2014/main" id="{6B653EE7-DF4C-4C79-A88A-820B70145772}"/>
+                  </a:ext>
+                </a:extLst>
+              </p:cNvPr>
+              <p:cNvSpPr txBox="1"/>
+              <p:nvPr/>
+            </p:nvSpPr>
+            <p:spPr>
+              <a:xfrm>
+                <a:off x="4247045" y="3048856"/>
+                <a:ext cx="1330848" cy="261610"/>
+              </a:xfrm>
+              <a:prstGeom prst="rect">
+                <a:avLst/>
+              </a:prstGeom>
+              <a:noFill/>
+            </p:spPr>
+            <p:txBody>
+              <a:bodyPr wrap="square" rtlCol="0">
+                <a:spAutoFit/>
+              </a:bodyPr>
+              <a:lstStyle/>
+              <a:p>
+                <a:r>
+                  <a:rPr lang="en-US" altLang="ko-KR" sz="1100" dirty="0">
+                    <a:latin typeface="Microsoft GothicNeo" panose="020B0500000101010101" pitchFamily="50" charset="-127"/>
+                    <a:ea typeface="Microsoft GothicNeo" panose="020B0500000101010101" pitchFamily="50" charset="-127"/>
+                    <a:cs typeface="Microsoft GothicNeo" panose="020B0500000101010101" pitchFamily="50" charset="-127"/>
+                  </a:rPr>
+                  <a:t>AWS EC2</a:t>
+                </a:r>
+                <a:endParaRPr lang="ko-KR" altLang="en-US" sz="1100" dirty="0">
+                  <a:latin typeface="Microsoft GothicNeo" panose="020B0500000101010101" pitchFamily="50" charset="-127"/>
+                  <a:ea typeface="Microsoft GothicNeo" panose="020B0500000101010101" pitchFamily="50" charset="-127"/>
+                  <a:cs typeface="Microsoft GothicNeo" panose="020B0500000101010101" pitchFamily="50" charset="-127"/>
+                </a:endParaRPr>
+              </a:p>
+            </p:txBody>
+          </p:sp>
+        </p:grpSp>
+        <p:pic>
+          <p:nvPicPr>
+            <p:cNvPr id="1032" name="Picture 8" descr="Image">
+              <a:extLst>
+                <a:ext uri="{FF2B5EF4-FFF2-40B4-BE49-F238E27FC236}">
+                  <a16:creationId xmlns:a16="http://schemas.microsoft.com/office/drawing/2014/main" id="{EAA34458-3191-4A3A-93A1-D69637006887}"/>
+                </a:ext>
+              </a:extLst>
+            </p:cNvPr>
+            <p:cNvPicPr>
+              <a:picLocks noChangeAspect="1" noChangeArrowheads="1"/>
+            </p:cNvPicPr>
+            <p:nvPr/>
+          </p:nvPicPr>
+          <p:blipFill>
+            <a:blip r:embed="rId6">
+              <a:extLst>
+                <a:ext uri="{28A0092B-C50C-407E-A947-70E740481C1C}">
+                  <a14:useLocalDpi xmlns:a14="http://schemas.microsoft.com/office/drawing/2010/main" val="0"/>
+                </a:ext>
+              </a:extLst>
+            </a:blip>
+            <a:srcRect/>
+            <a:stretch>
+              <a:fillRect/>
+            </a:stretch>
+          </p:blipFill>
+          <p:spPr bwMode="auto">
+            <a:xfrm>
+              <a:off x="6080300" y="4776911"/>
+              <a:ext cx="913018" cy="1025676"/>
+            </a:xfrm>
+            <a:prstGeom prst="rect">
+              <a:avLst/>
+            </a:prstGeom>
+            <a:noFill/>
+            <a:extLst>
+              <a:ext uri="{909E8E84-426E-40DD-AFC4-6F175D3DCCD1}">
+                <a14:hiddenFill xmlns:a14="http://schemas.microsoft.com/office/drawing/2010/main">
+                  <a:solidFill>
+                    <a:srgbClr val="FFFFFF"/>
+                  </a:solidFill>
+                </a14:hiddenFill>
+              </a:ext>
+            </a:extLst>
+          </p:spPr>
+        </p:pic>
+        <p:grpSp>
+          <p:nvGrpSpPr>
+            <p:cNvPr id="24" name="그룹 23">
+              <a:extLst>
+                <a:ext uri="{FF2B5EF4-FFF2-40B4-BE49-F238E27FC236}">
+                  <a16:creationId xmlns:a16="http://schemas.microsoft.com/office/drawing/2014/main" id="{5B0C1BDB-58C8-4CA5-8C3B-10F25379BF92}"/>
+                </a:ext>
+              </a:extLst>
+            </p:cNvPr>
+            <p:cNvGrpSpPr/>
+            <p:nvPr/>
+          </p:nvGrpSpPr>
+          <p:grpSpPr>
+            <a:xfrm>
+              <a:off x="838425" y="2123990"/>
+              <a:ext cx="1543229" cy="1171501"/>
+              <a:chOff x="943734" y="2909234"/>
+              <a:chExt cx="1543229" cy="1171501"/>
+            </a:xfrm>
+          </p:grpSpPr>
+          <p:sp>
+            <p:nvSpPr>
+              <p:cNvPr id="28" name="직사각형 27">
+                <a:extLst>
+                  <a:ext uri="{FF2B5EF4-FFF2-40B4-BE49-F238E27FC236}">
+                    <a16:creationId xmlns:a16="http://schemas.microsoft.com/office/drawing/2014/main" id="{D9055861-E30A-4137-BC17-DDA5C3A77484}"/>
+                  </a:ext>
+                </a:extLst>
+              </p:cNvPr>
+              <p:cNvSpPr/>
+              <p:nvPr/>
+            </p:nvSpPr>
+            <p:spPr>
+              <a:xfrm>
+                <a:off x="950699" y="3006269"/>
+                <a:ext cx="1083968" cy="785178"/>
+              </a:xfrm>
+              <a:prstGeom prst="rect">
+                <a:avLst/>
+              </a:prstGeom>
+              <a:solidFill>
+                <a:schemeClr val="bg1"/>
+              </a:solidFill>
+              <a:ln>
+                <a:noFill/>
+              </a:ln>
+            </p:spPr>
+            <p:style>
+              <a:lnRef idx="2">
+                <a:schemeClr val="accent1">
+                  <a:shade val="50000"/>
+                </a:schemeClr>
+              </a:lnRef>
+              <a:fillRef idx="1">
+                <a:schemeClr val="accent1"/>
+              </a:fillRef>
+              <a:effectRef idx="0">
+                <a:schemeClr val="accent1"/>
+              </a:effectRef>
+              <a:fontRef idx="minor">
+                <a:schemeClr val="lt1"/>
+              </a:fontRef>
+            </p:style>
+            <p:txBody>
+              <a:bodyPr rtlCol="0" anchor="ctr"/>
+              <a:lstStyle/>
+              <a:p>
+                <a:pPr algn="ctr"/>
+                <a:endParaRPr lang="ko-KR" altLang="en-US"/>
+              </a:p>
+            </p:txBody>
+          </p:sp>
+          <p:grpSp>
+            <p:nvGrpSpPr>
+              <p:cNvPr id="19" name="그룹 18">
+                <a:extLst>
+                  <a:ext uri="{FF2B5EF4-FFF2-40B4-BE49-F238E27FC236}">
+                    <a16:creationId xmlns:a16="http://schemas.microsoft.com/office/drawing/2014/main" id="{C43C4471-536E-4A19-9B19-651364203168}"/>
+                  </a:ext>
+                </a:extLst>
+              </p:cNvPr>
+              <p:cNvGrpSpPr/>
+              <p:nvPr/>
+            </p:nvGrpSpPr>
+            <p:grpSpPr>
+              <a:xfrm>
+                <a:off x="943734" y="2909234"/>
+                <a:ext cx="1543229" cy="1171501"/>
+                <a:chOff x="683487" y="2245539"/>
+                <a:chExt cx="1543229" cy="1171501"/>
+              </a:xfrm>
+            </p:grpSpPr>
+            <p:pic>
+              <p:nvPicPr>
+                <p:cNvPr id="17" name="그림 16">
+                  <a:extLst>
+                    <a:ext uri="{FF2B5EF4-FFF2-40B4-BE49-F238E27FC236}">
+                      <a16:creationId xmlns:a16="http://schemas.microsoft.com/office/drawing/2014/main" id="{E6569F8E-FDB8-4029-9A0B-E806CC2461BB}"/>
+                    </a:ext>
+                  </a:extLst>
+                </p:cNvPr>
+                <p:cNvPicPr>
+                  <a:picLocks noChangeAspect="1"/>
+                </p:cNvPicPr>
+                <p:nvPr/>
+              </p:nvPicPr>
+              <p:blipFill>
+                <a:blip r:embed="rId7">
+                  <a:extLst>
+                    <a:ext uri="{28A0092B-C50C-407E-A947-70E740481C1C}">
+                      <a14:useLocalDpi xmlns:a14="http://schemas.microsoft.com/office/drawing/2010/main" val="0"/>
+                    </a:ext>
+                  </a:extLst>
+                </a:blip>
+                <a:stretch>
+                  <a:fillRect/>
+                </a:stretch>
+              </p:blipFill>
+              <p:spPr>
+                <a:xfrm>
+                  <a:off x="683487" y="2245539"/>
+                  <a:ext cx="942746" cy="942746"/>
+                </a:xfrm>
+                <a:prstGeom prst="rect">
+                  <a:avLst/>
+                </a:prstGeom>
+              </p:spPr>
+            </p:pic>
+            <p:sp>
+              <p:nvSpPr>
+                <p:cNvPr id="21" name="TextBox 20">
+                  <a:extLst>
+                    <a:ext uri="{FF2B5EF4-FFF2-40B4-BE49-F238E27FC236}">
+                      <a16:creationId xmlns:a16="http://schemas.microsoft.com/office/drawing/2014/main" id="{8E69B19B-28C6-463F-8D23-EE8E6FF5F70E}"/>
+                    </a:ext>
+                  </a:extLst>
+                </p:cNvPr>
+                <p:cNvSpPr txBox="1"/>
+                <p:nvPr/>
+              </p:nvSpPr>
+              <p:spPr>
+                <a:xfrm>
+                  <a:off x="895868" y="3155430"/>
+                  <a:ext cx="1330848" cy="261610"/>
+                </a:xfrm>
+                <a:prstGeom prst="rect">
+                  <a:avLst/>
+                </a:prstGeom>
+                <a:noFill/>
+              </p:spPr>
+              <p:txBody>
+                <a:bodyPr wrap="square" rtlCol="0">
+                  <a:spAutoFit/>
+                </a:bodyPr>
+                <a:lstStyle/>
+                <a:p>
+                  <a:r>
+                    <a:rPr lang="en-US" altLang="ko-KR" sz="1100" dirty="0">
+                      <a:latin typeface="Microsoft GothicNeo" panose="020B0500000101010101" pitchFamily="50" charset="-127"/>
+                      <a:ea typeface="Microsoft GothicNeo" panose="020B0500000101010101" pitchFamily="50" charset="-127"/>
+                      <a:cs typeface="Microsoft GothicNeo" panose="020B0500000101010101" pitchFamily="50" charset="-127"/>
+                    </a:rPr>
+                    <a:t>Client</a:t>
+                  </a:r>
+                  <a:endParaRPr lang="ko-KR" altLang="en-US" sz="1100" dirty="0">
+                    <a:latin typeface="Microsoft GothicNeo" panose="020B0500000101010101" pitchFamily="50" charset="-127"/>
+                    <a:ea typeface="Microsoft GothicNeo" panose="020B0500000101010101" pitchFamily="50" charset="-127"/>
+                    <a:cs typeface="Microsoft GothicNeo" panose="020B0500000101010101" pitchFamily="50" charset="-127"/>
+                  </a:endParaRPr>
+                </a:p>
+              </p:txBody>
+            </p:sp>
+          </p:grpSp>
+        </p:grpSp>
+        <p:grpSp>
+          <p:nvGrpSpPr>
+            <p:cNvPr id="23" name="그룹 22">
+              <a:extLst>
+                <a:ext uri="{FF2B5EF4-FFF2-40B4-BE49-F238E27FC236}">
+                  <a16:creationId xmlns:a16="http://schemas.microsoft.com/office/drawing/2014/main" id="{60BFA785-4D42-4F39-98B2-F13856B6612F}"/>
+                </a:ext>
+              </a:extLst>
+            </p:cNvPr>
+            <p:cNvGrpSpPr/>
+            <p:nvPr/>
+          </p:nvGrpSpPr>
+          <p:grpSpPr>
+            <a:xfrm>
+              <a:off x="698942" y="3430088"/>
+              <a:ext cx="1330848" cy="757387"/>
+              <a:chOff x="834731" y="4215332"/>
+              <a:chExt cx="1330848" cy="757387"/>
+            </a:xfrm>
+          </p:grpSpPr>
+          <p:pic>
+            <p:nvPicPr>
+              <p:cNvPr id="22" name="그림 21">
+                <a:extLst>
+                  <a:ext uri="{FF2B5EF4-FFF2-40B4-BE49-F238E27FC236}">
+                    <a16:creationId xmlns:a16="http://schemas.microsoft.com/office/drawing/2014/main" id="{1ECA89AB-444B-47B6-B6F4-910E772931F9}"/>
+                  </a:ext>
+                </a:extLst>
+              </p:cNvPr>
+              <p:cNvPicPr>
+                <a:picLocks noChangeAspect="1"/>
+              </p:cNvPicPr>
+              <p:nvPr/>
+            </p:nvPicPr>
+            <p:blipFill>
+              <a:blip r:embed="rId8">
+                <a:extLst>
+                  <a:ext uri="{28A0092B-C50C-407E-A947-70E740481C1C}">
+                    <a14:useLocalDpi xmlns:a14="http://schemas.microsoft.com/office/drawing/2010/main" val="0"/>
+                  </a:ext>
+                </a:extLst>
+              </a:blip>
+              <a:stretch>
+                <a:fillRect/>
+              </a:stretch>
+            </p:blipFill>
+            <p:spPr>
+              <a:xfrm>
+                <a:off x="851207" y="4215332"/>
+                <a:ext cx="559868" cy="559868"/>
+              </a:xfrm>
+              <a:prstGeom prst="rect">
+                <a:avLst/>
+              </a:prstGeom>
+            </p:spPr>
+          </p:pic>
+          <p:sp>
+            <p:nvSpPr>
+              <p:cNvPr id="29" name="TextBox 28">
+                <a:extLst>
+                  <a:ext uri="{FF2B5EF4-FFF2-40B4-BE49-F238E27FC236}">
+                    <a16:creationId xmlns:a16="http://schemas.microsoft.com/office/drawing/2014/main" id="{F2D671B0-CBCC-4282-9470-18D2706A72E7}"/>
+                  </a:ext>
+                </a:extLst>
+              </p:cNvPr>
+              <p:cNvSpPr txBox="1"/>
+              <p:nvPr/>
+            </p:nvSpPr>
+            <p:spPr>
+              <a:xfrm>
+                <a:off x="834731" y="4711109"/>
+                <a:ext cx="1330848" cy="261610"/>
+              </a:xfrm>
+              <a:prstGeom prst="rect">
+                <a:avLst/>
+              </a:prstGeom>
+              <a:noFill/>
+            </p:spPr>
+            <p:txBody>
+              <a:bodyPr wrap="square" rtlCol="0">
+                <a:spAutoFit/>
+              </a:bodyPr>
+              <a:lstStyle/>
+              <a:p>
+                <a:r>
+                  <a:rPr lang="en-US" altLang="ko-KR" sz="1100" dirty="0">
+                    <a:latin typeface="Microsoft GothicNeo" panose="020B0500000101010101" pitchFamily="50" charset="-127"/>
+                    <a:ea typeface="Microsoft GothicNeo" panose="020B0500000101010101" pitchFamily="50" charset="-127"/>
+                    <a:cs typeface="Microsoft GothicNeo" panose="020B0500000101010101" pitchFamily="50" charset="-127"/>
+                  </a:rPr>
+                  <a:t>Kotlin</a:t>
+                </a:r>
+                <a:endParaRPr lang="ko-KR" altLang="en-US" sz="1100" dirty="0">
+                  <a:latin typeface="Microsoft GothicNeo" panose="020B0500000101010101" pitchFamily="50" charset="-127"/>
+                  <a:ea typeface="Microsoft GothicNeo" panose="020B0500000101010101" pitchFamily="50" charset="-127"/>
+                  <a:cs typeface="Microsoft GothicNeo" panose="020B0500000101010101" pitchFamily="50" charset="-127"/>
+                </a:endParaRPr>
+              </a:p>
+            </p:txBody>
+          </p:sp>
+        </p:grpSp>
+        <p:grpSp>
+          <p:nvGrpSpPr>
+            <p:cNvPr id="32" name="그룹 31">
+              <a:extLst>
+                <a:ext uri="{FF2B5EF4-FFF2-40B4-BE49-F238E27FC236}">
+                  <a16:creationId xmlns:a16="http://schemas.microsoft.com/office/drawing/2014/main" id="{CC62A7CD-7B94-4CC5-836B-5853CE190964}"/>
+                </a:ext>
+              </a:extLst>
+            </p:cNvPr>
+            <p:cNvGrpSpPr/>
+            <p:nvPr/>
+          </p:nvGrpSpPr>
+          <p:grpSpPr>
+            <a:xfrm>
+              <a:off x="6907422" y="3430088"/>
+              <a:ext cx="1563883" cy="898741"/>
+              <a:chOff x="6879406" y="3146895"/>
+              <a:chExt cx="1563883" cy="898741"/>
+            </a:xfrm>
+          </p:grpSpPr>
+          <p:pic>
+            <p:nvPicPr>
+              <p:cNvPr id="31" name="그림 30">
+                <a:extLst>
+                  <a:ext uri="{FF2B5EF4-FFF2-40B4-BE49-F238E27FC236}">
+                    <a16:creationId xmlns:a16="http://schemas.microsoft.com/office/drawing/2014/main" id="{430AD6C4-0889-48EE-8F88-0EA6DB2DBB23}"/>
+                  </a:ext>
+                </a:extLst>
+              </p:cNvPr>
+              <p:cNvPicPr>
+                <a:picLocks noChangeAspect="1"/>
+              </p:cNvPicPr>
+              <p:nvPr/>
+            </p:nvPicPr>
+            <p:blipFill>
+              <a:blip r:embed="rId9">
+                <a:extLst>
+                  <a:ext uri="{28A0092B-C50C-407E-A947-70E740481C1C}">
+                    <a14:useLocalDpi xmlns:a14="http://schemas.microsoft.com/office/drawing/2010/main" val="0"/>
+                  </a:ext>
+                </a:extLst>
+              </a:blip>
+              <a:stretch>
+                <a:fillRect/>
+              </a:stretch>
+            </p:blipFill>
+            <p:spPr>
+              <a:xfrm>
+                <a:off x="7365531" y="3146895"/>
+                <a:ext cx="566296" cy="670997"/>
+              </a:xfrm>
+              <a:prstGeom prst="rect">
+                <a:avLst/>
+              </a:prstGeom>
+            </p:spPr>
+          </p:pic>
+          <p:sp>
+            <p:nvSpPr>
+              <p:cNvPr id="40" name="TextBox 39">
+                <a:extLst>
+                  <a:ext uri="{FF2B5EF4-FFF2-40B4-BE49-F238E27FC236}">
+                    <a16:creationId xmlns:a16="http://schemas.microsoft.com/office/drawing/2014/main" id="{FB821BDD-EB8E-4D03-A2A4-B2B237874E08}"/>
+                  </a:ext>
+                </a:extLst>
+              </p:cNvPr>
+              <p:cNvSpPr txBox="1"/>
+              <p:nvPr/>
+            </p:nvSpPr>
+            <p:spPr>
+              <a:xfrm>
+                <a:off x="6879406" y="3784026"/>
+                <a:ext cx="1563883" cy="261610"/>
+              </a:xfrm>
+              <a:prstGeom prst="rect">
+                <a:avLst/>
+              </a:prstGeom>
+              <a:noFill/>
+            </p:spPr>
+            <p:txBody>
+              <a:bodyPr wrap="square" rtlCol="0">
+                <a:spAutoFit/>
+              </a:bodyPr>
+              <a:lstStyle/>
+              <a:p>
+                <a:pPr algn="ctr"/>
+                <a:r>
+                  <a:rPr lang="en-US" altLang="ko-KR" sz="1100" dirty="0">
+                    <a:latin typeface="Microsoft GothicNeo" panose="020B0500000101010101" pitchFamily="50" charset="-127"/>
+                    <a:ea typeface="Microsoft GothicNeo" panose="020B0500000101010101" pitchFamily="50" charset="-127"/>
+                    <a:cs typeface="Microsoft GothicNeo" panose="020B0500000101010101" pitchFamily="50" charset="-127"/>
+                  </a:rPr>
+                  <a:t>Logstash</a:t>
+                </a:r>
+                <a:endParaRPr lang="ko-KR" altLang="en-US" sz="1100" dirty="0">
+                  <a:latin typeface="Microsoft GothicNeo" panose="020B0500000101010101" pitchFamily="50" charset="-127"/>
+                  <a:ea typeface="Microsoft GothicNeo" panose="020B0500000101010101" pitchFamily="50" charset="-127"/>
+                  <a:cs typeface="Microsoft GothicNeo" panose="020B0500000101010101" pitchFamily="50" charset="-127"/>
+                </a:endParaRPr>
+              </a:p>
+            </p:txBody>
+          </p:sp>
+        </p:grpSp>
+        <p:grpSp>
+          <p:nvGrpSpPr>
+            <p:cNvPr id="39" name="그룹 38">
+              <a:extLst>
+                <a:ext uri="{FF2B5EF4-FFF2-40B4-BE49-F238E27FC236}">
+                  <a16:creationId xmlns:a16="http://schemas.microsoft.com/office/drawing/2014/main" id="{AD2A987D-9CF5-4508-8595-C0235D72700B}"/>
+                </a:ext>
+              </a:extLst>
+            </p:cNvPr>
+            <p:cNvGrpSpPr/>
+            <p:nvPr/>
+          </p:nvGrpSpPr>
+          <p:grpSpPr>
+            <a:xfrm>
+              <a:off x="3452408" y="3856528"/>
+              <a:ext cx="1876424" cy="2329790"/>
+              <a:chOff x="3158412" y="3463614"/>
+              <a:chExt cx="1876424" cy="2329790"/>
+            </a:xfrm>
+          </p:grpSpPr>
+          <p:grpSp>
+            <p:nvGrpSpPr>
+              <p:cNvPr id="25" name="그룹 24">
+                <a:extLst>
+                  <a:ext uri="{FF2B5EF4-FFF2-40B4-BE49-F238E27FC236}">
+                    <a16:creationId xmlns:a16="http://schemas.microsoft.com/office/drawing/2014/main" id="{1A9B7E07-570F-4C43-A785-F37DDB9C399A}"/>
+                  </a:ext>
+                </a:extLst>
+              </p:cNvPr>
+              <p:cNvGrpSpPr/>
+              <p:nvPr/>
+            </p:nvGrpSpPr>
+            <p:grpSpPr>
+              <a:xfrm>
+                <a:off x="3159126" y="4483750"/>
+                <a:ext cx="1875710" cy="920383"/>
+                <a:chOff x="5802963" y="5940935"/>
+                <a:chExt cx="1875710" cy="920383"/>
+              </a:xfrm>
+            </p:grpSpPr>
+            <p:sp>
+              <p:nvSpPr>
+                <p:cNvPr id="33" name="TextBox 32">
+                  <a:extLst>
+                    <a:ext uri="{FF2B5EF4-FFF2-40B4-BE49-F238E27FC236}">
+                      <a16:creationId xmlns:a16="http://schemas.microsoft.com/office/drawing/2014/main" id="{3A85AD1A-FD32-454F-BD6A-F13F7DD96D90}"/>
+                    </a:ext>
+                  </a:extLst>
+                </p:cNvPr>
+                <p:cNvSpPr txBox="1"/>
+                <p:nvPr/>
+              </p:nvSpPr>
+              <p:spPr>
+                <a:xfrm>
+                  <a:off x="6347825" y="6599708"/>
+                  <a:ext cx="1330848" cy="261610"/>
+                </a:xfrm>
+                <a:prstGeom prst="rect">
+                  <a:avLst/>
+                </a:prstGeom>
+                <a:noFill/>
+              </p:spPr>
+              <p:txBody>
+                <a:bodyPr wrap="square" rtlCol="0">
+                  <a:spAutoFit/>
+                </a:bodyPr>
+                <a:lstStyle/>
+                <a:p>
+                  <a:r>
+                    <a:rPr lang="en-US" altLang="ko-KR" sz="1100" dirty="0">
+                      <a:latin typeface="Microsoft GothicNeo" panose="020B0500000101010101" pitchFamily="50" charset="-127"/>
+                      <a:ea typeface="Microsoft GothicNeo" panose="020B0500000101010101" pitchFamily="50" charset="-127"/>
+                      <a:cs typeface="Microsoft GothicNeo" panose="020B0500000101010101" pitchFamily="50" charset="-127"/>
+                    </a:rPr>
+                    <a:t>Node.js</a:t>
+                  </a:r>
+                  <a:endParaRPr lang="ko-KR" altLang="en-US" sz="1100" dirty="0">
+                    <a:latin typeface="Microsoft GothicNeo" panose="020B0500000101010101" pitchFamily="50" charset="-127"/>
+                    <a:ea typeface="Microsoft GothicNeo" panose="020B0500000101010101" pitchFamily="50" charset="-127"/>
+                    <a:cs typeface="Microsoft GothicNeo" panose="020B0500000101010101" pitchFamily="50" charset="-127"/>
+                  </a:endParaRPr>
+                </a:p>
+              </p:txBody>
+            </p:sp>
+            <p:pic>
+              <p:nvPicPr>
+                <p:cNvPr id="1036" name="Picture 12">
+                  <a:extLst>
+                    <a:ext uri="{FF2B5EF4-FFF2-40B4-BE49-F238E27FC236}">
+                      <a16:creationId xmlns:a16="http://schemas.microsoft.com/office/drawing/2014/main" id="{B74C9C36-3A41-46FE-8E31-1FF35920BFBB}"/>
+                    </a:ext>
+                  </a:extLst>
+                </p:cNvPr>
+                <p:cNvPicPr>
+                  <a:picLocks noChangeAspect="1" noChangeArrowheads="1"/>
+                </p:cNvPicPr>
+                <p:nvPr/>
+              </p:nvPicPr>
+              <p:blipFill>
+                <a:blip r:embed="rId10">
+                  <a:extLst>
+                    <a:ext uri="{28A0092B-C50C-407E-A947-70E740481C1C}">
+                      <a14:useLocalDpi xmlns:a14="http://schemas.microsoft.com/office/drawing/2010/main" val="0"/>
+                    </a:ext>
+                  </a:extLst>
+                </a:blip>
+                <a:srcRect/>
+                <a:stretch>
+                  <a:fillRect/>
+                </a:stretch>
+              </p:blipFill>
+              <p:spPr bwMode="auto">
+                <a:xfrm>
+                  <a:off x="5802963" y="5940935"/>
+                  <a:ext cx="1806225" cy="677334"/>
+                </a:xfrm>
+                <a:prstGeom prst="rect">
+                  <a:avLst/>
+                </a:prstGeom>
+                <a:noFill/>
+                <a:extLst>
+                  <a:ext uri="{909E8E84-426E-40DD-AFC4-6F175D3DCCD1}">
+                    <a14:hiddenFill xmlns:a14="http://schemas.microsoft.com/office/drawing/2010/main">
+                      <a:solidFill>
+                        <a:srgbClr val="FFFFFF"/>
+                      </a:solidFill>
+                    </a14:hiddenFill>
+                  </a:ext>
+                </a:extLst>
+              </p:spPr>
+            </p:pic>
+          </p:grpSp>
+          <p:grpSp>
+            <p:nvGrpSpPr>
+              <p:cNvPr id="38" name="그룹 37">
+                <a:extLst>
+                  <a:ext uri="{FF2B5EF4-FFF2-40B4-BE49-F238E27FC236}">
+                    <a16:creationId xmlns:a16="http://schemas.microsoft.com/office/drawing/2014/main" id="{582DD480-80A7-4EE4-80ED-7DF80B75A0B3}"/>
+                  </a:ext>
+                </a:extLst>
+              </p:cNvPr>
+              <p:cNvGrpSpPr/>
+              <p:nvPr/>
+            </p:nvGrpSpPr>
+            <p:grpSpPr>
+              <a:xfrm>
+                <a:off x="3158412" y="3463614"/>
+                <a:ext cx="1707749" cy="2329790"/>
+                <a:chOff x="3158412" y="3463614"/>
+                <a:chExt cx="3186820" cy="2329790"/>
+              </a:xfrm>
+            </p:grpSpPr>
+            <p:sp>
+              <p:nvSpPr>
+                <p:cNvPr id="42" name="사각형: 둥근 모서리 41">
+                  <a:extLst>
+                    <a:ext uri="{FF2B5EF4-FFF2-40B4-BE49-F238E27FC236}">
+                      <a16:creationId xmlns:a16="http://schemas.microsoft.com/office/drawing/2014/main" id="{0D39D26A-8065-4AA8-8EB8-D42B1DE13CE7}"/>
+                    </a:ext>
+                  </a:extLst>
+                </p:cNvPr>
+                <p:cNvSpPr/>
+                <p:nvPr/>
+              </p:nvSpPr>
+              <p:spPr>
+                <a:xfrm>
+                  <a:off x="3158412" y="3929761"/>
+                  <a:ext cx="3186820" cy="1863643"/>
+                </a:xfrm>
+                <a:prstGeom prst="roundRect">
+                  <a:avLst>
+                    <a:gd name="adj" fmla="val 8244"/>
+                  </a:avLst>
+                </a:prstGeom>
+                <a:noFill/>
+                <a:ln>
+                  <a:solidFill>
+                    <a:schemeClr val="bg1">
+                      <a:lumMod val="65000"/>
+                    </a:schemeClr>
+                  </a:solidFill>
+                </a:ln>
+              </p:spPr>
+              <p:style>
+                <a:lnRef idx="2">
+                  <a:schemeClr val="accent1">
+                    <a:shade val="50000"/>
+                  </a:schemeClr>
+                </a:lnRef>
+                <a:fillRef idx="1">
+                  <a:schemeClr val="accent1"/>
+                </a:fillRef>
+                <a:effectRef idx="0">
+                  <a:schemeClr val="accent1"/>
+                </a:effectRef>
+                <a:fontRef idx="minor">
+                  <a:schemeClr val="lt1"/>
+                </a:fontRef>
+              </p:style>
+              <p:txBody>
+                <a:bodyPr rtlCol="0" anchor="ctr"/>
+                <a:lstStyle/>
+                <a:p>
+                  <a:pPr algn="ctr"/>
+                  <a:endParaRPr lang="ko-KR" altLang="en-US"/>
+                </a:p>
+              </p:txBody>
+            </p:sp>
+            <p:sp>
+              <p:nvSpPr>
+                <p:cNvPr id="43" name="직사각형 42">
+                  <a:extLst>
+                    <a:ext uri="{FF2B5EF4-FFF2-40B4-BE49-F238E27FC236}">
+                      <a16:creationId xmlns:a16="http://schemas.microsoft.com/office/drawing/2014/main" id="{0C6C50A2-28A4-4C8E-B08A-D6DD2E50E7C9}"/>
+                    </a:ext>
+                  </a:extLst>
+                </p:cNvPr>
+                <p:cNvSpPr/>
+                <p:nvPr/>
+              </p:nvSpPr>
+              <p:spPr>
+                <a:xfrm>
+                  <a:off x="3584266" y="3463614"/>
+                  <a:ext cx="2383030" cy="920383"/>
+                </a:xfrm>
+                <a:prstGeom prst="rect">
+                  <a:avLst/>
+                </a:prstGeom>
+                <a:solidFill>
+                  <a:schemeClr val="bg1"/>
+                </a:solidFill>
+                <a:ln>
+                  <a:noFill/>
+                </a:ln>
+              </p:spPr>
+              <p:style>
+                <a:lnRef idx="2">
+                  <a:schemeClr val="accent1">
+                    <a:shade val="50000"/>
+                  </a:schemeClr>
+                </a:lnRef>
+                <a:fillRef idx="1">
+                  <a:schemeClr val="accent1"/>
+                </a:fillRef>
+                <a:effectRef idx="0">
+                  <a:schemeClr val="accent1"/>
+                </a:effectRef>
+                <a:fontRef idx="minor">
+                  <a:schemeClr val="lt1"/>
+                </a:fontRef>
+              </p:style>
+              <p:txBody>
+                <a:bodyPr rtlCol="0" anchor="ctr"/>
+                <a:lstStyle/>
+                <a:p>
+                  <a:pPr algn="ctr"/>
+                  <a:endParaRPr lang="ko-KR" altLang="en-US"/>
+                </a:p>
+              </p:txBody>
+            </p:sp>
+            <p:sp>
+              <p:nvSpPr>
+                <p:cNvPr id="44" name="TextBox 43">
+                  <a:extLst>
+                    <a:ext uri="{FF2B5EF4-FFF2-40B4-BE49-F238E27FC236}">
+                      <a16:creationId xmlns:a16="http://schemas.microsoft.com/office/drawing/2014/main" id="{039A75F7-1FEF-4EAB-BD6C-F3919EE94F03}"/>
+                    </a:ext>
+                  </a:extLst>
+                </p:cNvPr>
+                <p:cNvSpPr txBox="1"/>
+                <p:nvPr/>
+              </p:nvSpPr>
+              <p:spPr>
+                <a:xfrm>
+                  <a:off x="3584268" y="3763280"/>
+                  <a:ext cx="2383030" cy="400110"/>
+                </a:xfrm>
+                <a:prstGeom prst="rect">
+                  <a:avLst/>
+                </a:prstGeom>
+                <a:noFill/>
+              </p:spPr>
+              <p:txBody>
+                <a:bodyPr wrap="square" rtlCol="0">
+                  <a:spAutoFit/>
+                </a:bodyPr>
+                <a:lstStyle/>
+                <a:p>
+                  <a:pPr algn="ctr"/>
+                  <a:r>
+                    <a:rPr lang="ko-KR" altLang="en-US" sz="2000" b="1" dirty="0">
+                      <a:latin typeface="Microsoft GothicNeo" panose="020B0500000101010101" pitchFamily="50" charset="-127"/>
+                      <a:ea typeface="Microsoft GothicNeo" panose="020B0500000101010101" pitchFamily="50" charset="-127"/>
+                      <a:cs typeface="Microsoft GothicNeo" panose="020B0500000101010101" pitchFamily="50" charset="-127"/>
+                    </a:rPr>
+                    <a:t>검색서버</a:t>
+                  </a:r>
+                </a:p>
+              </p:txBody>
+            </p:sp>
+          </p:grpSp>
+        </p:grpSp>
+        <p:grpSp>
+          <p:nvGrpSpPr>
+            <p:cNvPr id="52" name="그룹 51">
+              <a:extLst>
+                <a:ext uri="{FF2B5EF4-FFF2-40B4-BE49-F238E27FC236}">
+                  <a16:creationId xmlns:a16="http://schemas.microsoft.com/office/drawing/2014/main" id="{A5A028BF-5190-4F4B-9917-3B1673BA655D}"/>
+                </a:ext>
+              </a:extLst>
+            </p:cNvPr>
+            <p:cNvGrpSpPr/>
+            <p:nvPr/>
+          </p:nvGrpSpPr>
+          <p:grpSpPr>
+            <a:xfrm>
+              <a:off x="9964108" y="1740260"/>
+              <a:ext cx="1945126" cy="3672898"/>
+              <a:chOff x="9964108" y="948413"/>
+              <a:chExt cx="1945126" cy="3672898"/>
+            </a:xfrm>
+          </p:grpSpPr>
+          <p:sp>
+            <p:nvSpPr>
+              <p:cNvPr id="53" name="사각형: 둥근 모서리 52">
+                <a:extLst>
+                  <a:ext uri="{FF2B5EF4-FFF2-40B4-BE49-F238E27FC236}">
+                    <a16:creationId xmlns:a16="http://schemas.microsoft.com/office/drawing/2014/main" id="{A4E50099-8235-4A4F-9955-70BB62AE7024}"/>
+                  </a:ext>
+                </a:extLst>
+              </p:cNvPr>
+              <p:cNvSpPr/>
+              <p:nvPr/>
+            </p:nvSpPr>
+            <p:spPr>
+              <a:xfrm>
+                <a:off x="9964108" y="1311765"/>
+                <a:ext cx="1905431" cy="3309546"/>
               </a:xfrm>
               <a:prstGeom prst="roundRect">
                 <a:avLst>
@@ -3424,10 +4693,10 @@
           </p:sp>
           <p:sp>
             <p:nvSpPr>
-              <p:cNvPr id="2" name="사각형: 둥근 모서리 1">
+              <p:cNvPr id="55" name="직사각형 54">
                 <a:extLst>
                   <a:ext uri="{FF2B5EF4-FFF2-40B4-BE49-F238E27FC236}">
-                    <a16:creationId xmlns:a16="http://schemas.microsoft.com/office/drawing/2014/main" id="{934B4244-D9A7-4F2C-8B00-DAC0BF313C76}"/>
+                    <a16:creationId xmlns:a16="http://schemas.microsoft.com/office/drawing/2014/main" id="{C330403F-57CA-44B9-923D-B83B4BEE5AC1}"/>
                   </a:ext>
                 </a:extLst>
               </p:cNvPr>
@@ -3436,21 +4705,17 @@
             </p:nvSpPr>
             <p:spPr>
               <a:xfrm>
-                <a:off x="2895552" y="916391"/>
-                <a:ext cx="6496380" cy="5435033"/>
+                <a:off x="10363755" y="948413"/>
+                <a:ext cx="1083968" cy="785178"/>
               </a:xfrm>
-              <a:prstGeom prst="roundRect">
-                <a:avLst>
-                  <a:gd name="adj" fmla="val 5203"/>
-                </a:avLst>
+              <a:prstGeom prst="rect">
+                <a:avLst/>
               </a:prstGeom>
-              <a:noFill/>
+              <a:solidFill>
+                <a:schemeClr val="bg1"/>
+              </a:solidFill>
               <a:ln>
-                <a:solidFill>
-                  <a:schemeClr val="bg1">
-                    <a:lumMod val="65000"/>
-                  </a:schemeClr>
-                </a:solidFill>
+                <a:noFill/>
               </a:ln>
             </p:spPr>
             <p:style>
@@ -3478,12 +4743,109 @@
               </a:p>
             </p:txBody>
           </p:sp>
+          <p:sp>
+            <p:nvSpPr>
+              <p:cNvPr id="58" name="TextBox 57">
+                <a:extLst>
+                  <a:ext uri="{FF2B5EF4-FFF2-40B4-BE49-F238E27FC236}">
+                    <a16:creationId xmlns:a16="http://schemas.microsoft.com/office/drawing/2014/main" id="{B387D179-6647-4D3F-93D4-57475F432B01}"/>
+                  </a:ext>
+                </a:extLst>
+              </p:cNvPr>
+              <p:cNvSpPr txBox="1"/>
+              <p:nvPr/>
+            </p:nvSpPr>
+            <p:spPr>
+              <a:xfrm>
+                <a:off x="10251399" y="1710498"/>
+                <a:ext cx="1330848" cy="261610"/>
+              </a:xfrm>
+              <a:prstGeom prst="rect">
+                <a:avLst/>
+              </a:prstGeom>
+              <a:noFill/>
+            </p:spPr>
+            <p:txBody>
+              <a:bodyPr wrap="square" rtlCol="0">
+                <a:spAutoFit/>
+              </a:bodyPr>
+              <a:lstStyle/>
+              <a:p>
+                <a:pPr algn="ctr"/>
+                <a:r>
+                  <a:rPr lang="en-US" altLang="ko-KR" sz="1100" dirty="0">
+                    <a:latin typeface="Microsoft GothicNeo" panose="020B0500000101010101" pitchFamily="50" charset="-127"/>
+                    <a:ea typeface="Microsoft GothicNeo" panose="020B0500000101010101" pitchFamily="50" charset="-127"/>
+                    <a:cs typeface="Microsoft GothicNeo" panose="020B0500000101010101" pitchFamily="50" charset="-127"/>
+                  </a:rPr>
+                  <a:t>Back</a:t>
+                </a:r>
+                <a:r>
+                  <a:rPr lang="ko-KR" altLang="en-US" sz="1100" dirty="0">
+                    <a:latin typeface="Microsoft GothicNeo" panose="020B0500000101010101" pitchFamily="50" charset="-127"/>
+                    <a:ea typeface="Microsoft GothicNeo" panose="020B0500000101010101" pitchFamily="50" charset="-127"/>
+                    <a:cs typeface="Microsoft GothicNeo" panose="020B0500000101010101" pitchFamily="50" charset="-127"/>
+                  </a:rPr>
+                  <a:t> </a:t>
+                </a:r>
+                <a:r>
+                  <a:rPr lang="en-US" altLang="ko-KR" sz="1100" dirty="0">
+                    <a:latin typeface="Microsoft GothicNeo" panose="020B0500000101010101" pitchFamily="50" charset="-127"/>
+                    <a:ea typeface="Microsoft GothicNeo" panose="020B0500000101010101" pitchFamily="50" charset="-127"/>
+                    <a:cs typeface="Microsoft GothicNeo" panose="020B0500000101010101" pitchFamily="50" charset="-127"/>
+                  </a:rPr>
+                  <a:t>Office</a:t>
+                </a:r>
+                <a:endParaRPr lang="ko-KR" altLang="en-US" sz="1100" dirty="0">
+                  <a:latin typeface="Microsoft GothicNeo" panose="020B0500000101010101" pitchFamily="50" charset="-127"/>
+                  <a:ea typeface="Microsoft GothicNeo" panose="020B0500000101010101" pitchFamily="50" charset="-127"/>
+                  <a:cs typeface="Microsoft GothicNeo" panose="020B0500000101010101" pitchFamily="50" charset="-127"/>
+                </a:endParaRPr>
+              </a:p>
+            </p:txBody>
+          </p:sp>
+          <p:pic>
+            <p:nvPicPr>
+              <p:cNvPr id="45" name="그림 44">
+                <a:extLst>
+                  <a:ext uri="{FF2B5EF4-FFF2-40B4-BE49-F238E27FC236}">
+                    <a16:creationId xmlns:a16="http://schemas.microsoft.com/office/drawing/2014/main" id="{771F0CFD-A163-45A7-AB49-FA5417168251}"/>
+                  </a:ext>
+                </a:extLst>
+              </p:cNvPr>
+              <p:cNvPicPr>
+                <a:picLocks noChangeAspect="1"/>
+              </p:cNvPicPr>
+              <p:nvPr/>
+            </p:nvPicPr>
+            <p:blipFill>
+              <a:blip r:embed="rId11">
+                <a:extLst>
+                  <a:ext uri="{28A0092B-C50C-407E-A947-70E740481C1C}">
+                    <a14:useLocalDpi xmlns:a14="http://schemas.microsoft.com/office/drawing/2010/main" val="0"/>
+                  </a:ext>
+                </a:extLst>
+              </a:blip>
+              <a:stretch>
+                <a:fillRect/>
+              </a:stretch>
+            </p:blipFill>
+            <p:spPr>
+              <a:xfrm>
+                <a:off x="10513150" y="1002269"/>
+                <a:ext cx="785178" cy="785178"/>
+              </a:xfrm>
+              <a:prstGeom prst="rect">
+                <a:avLst/>
+              </a:prstGeom>
+            </p:spPr>
+          </p:pic>
           <p:grpSp>
             <p:nvGrpSpPr>
-              <p:cNvPr id="4" name="그룹 3">
+              <p:cNvPr id="51" name="그룹 50">
                 <a:extLst>
                   <a:ext uri="{FF2B5EF4-FFF2-40B4-BE49-F238E27FC236}">
-                    <a16:creationId xmlns:a16="http://schemas.microsoft.com/office/drawing/2014/main" id="{56093958-6DF4-4DF6-B667-BB84107A9F47}"/>
+                    <a16:creationId xmlns:a16="http://schemas.microsoft.com/office/drawing/2014/main" id="{B974C598-3BAA-49E4-B35B-02C303352314}"/>
                   </a:ext>
                 </a:extLst>
               </p:cNvPr>
@@ -3492,239 +4854,18 @@
             </p:nvGrpSpPr>
             <p:grpSpPr>
               <a:xfrm>
-                <a:off x="3386619" y="372533"/>
-                <a:ext cx="1479542" cy="1100667"/>
-                <a:chOff x="1761067" y="321733"/>
-                <a:chExt cx="1479542" cy="1100667"/>
+                <a:off x="10033524" y="2362834"/>
+                <a:ext cx="1875710" cy="937316"/>
+                <a:chOff x="10033524" y="2244303"/>
+                <a:chExt cx="1875710" cy="937316"/>
               </a:xfrm>
             </p:grpSpPr>
             <p:sp>
               <p:nvSpPr>
-                <p:cNvPr id="3" name="직사각형 2">
+                <p:cNvPr id="61" name="TextBox 60">
                   <a:extLst>
                     <a:ext uri="{FF2B5EF4-FFF2-40B4-BE49-F238E27FC236}">
-                      <a16:creationId xmlns:a16="http://schemas.microsoft.com/office/drawing/2014/main" id="{676FAFB4-73F9-4703-B759-08B8182EDAA1}"/>
-                    </a:ext>
-                  </a:extLst>
-                </p:cNvPr>
-                <p:cNvSpPr/>
-                <p:nvPr/>
-              </p:nvSpPr>
-              <p:spPr>
-                <a:xfrm>
-                  <a:off x="1761067" y="321733"/>
-                  <a:ext cx="1202266" cy="1100667"/>
-                </a:xfrm>
-                <a:prstGeom prst="rect">
-                  <a:avLst/>
-                </a:prstGeom>
-                <a:solidFill>
-                  <a:schemeClr val="bg1"/>
-                </a:solidFill>
-                <a:ln>
-                  <a:noFill/>
-                </a:ln>
-              </p:spPr>
-              <p:style>
-                <a:lnRef idx="2">
-                  <a:schemeClr val="accent1">
-                    <a:shade val="50000"/>
-                  </a:schemeClr>
-                </a:lnRef>
-                <a:fillRef idx="1">
-                  <a:schemeClr val="accent1"/>
-                </a:fillRef>
-                <a:effectRef idx="0">
-                  <a:schemeClr val="accent1"/>
-                </a:effectRef>
-                <a:fontRef idx="minor">
-                  <a:schemeClr val="lt1"/>
-                </a:fontRef>
-              </p:style>
-              <p:txBody>
-                <a:bodyPr rtlCol="0" anchor="ctr"/>
-                <a:lstStyle/>
-                <a:p>
-                  <a:pPr algn="ctr"/>
-                  <a:endParaRPr lang="ko-KR" altLang="en-US"/>
-                </a:p>
-              </p:txBody>
-            </p:sp>
-            <p:grpSp>
-              <p:nvGrpSpPr>
-                <p:cNvPr id="7" name="그룹 6">
-                  <a:extLst>
-                    <a:ext uri="{FF2B5EF4-FFF2-40B4-BE49-F238E27FC236}">
-                      <a16:creationId xmlns:a16="http://schemas.microsoft.com/office/drawing/2014/main" id="{25F963CC-D5DF-4FDC-97B0-B7EB1012DEBC}"/>
-                    </a:ext>
-                  </a:extLst>
-                </p:cNvPr>
-                <p:cNvGrpSpPr/>
-                <p:nvPr/>
-              </p:nvGrpSpPr>
-              <p:grpSpPr>
-                <a:xfrm>
-                  <a:off x="1892983" y="455776"/>
-                  <a:ext cx="1347626" cy="819630"/>
-                  <a:chOff x="2118408" y="785813"/>
-                  <a:chExt cx="1347626" cy="819630"/>
-                </a:xfrm>
-              </p:grpSpPr>
-              <p:pic>
-                <p:nvPicPr>
-                  <p:cNvPr id="5" name="그림 4">
-                    <a:extLst>
-                      <a:ext uri="{FF2B5EF4-FFF2-40B4-BE49-F238E27FC236}">
-                        <a16:creationId xmlns:a16="http://schemas.microsoft.com/office/drawing/2014/main" id="{2AD85327-9B1D-423A-A63D-08F297621294}"/>
-                      </a:ext>
-                    </a:extLst>
-                  </p:cNvPr>
-                  <p:cNvPicPr>
-                    <a:picLocks noChangeAspect="1"/>
-                  </p:cNvPicPr>
-                  <p:nvPr/>
-                </p:nvPicPr>
-                <p:blipFill>
-                  <a:blip r:embed="rId2">
-                    <a:extLst>
-                      <a:ext uri="{28A0092B-C50C-407E-A947-70E740481C1C}">
-                        <a14:useLocalDpi xmlns:a14="http://schemas.microsoft.com/office/drawing/2010/main" val="0"/>
-                      </a:ext>
-                    </a:extLst>
-                  </a:blip>
-                  <a:stretch>
-                    <a:fillRect/>
-                  </a:stretch>
-                </p:blipFill>
-                <p:spPr>
-                  <a:xfrm>
-                    <a:off x="2118408" y="785813"/>
-                    <a:ext cx="945218" cy="591576"/>
-                  </a:xfrm>
-                  <a:prstGeom prst="rect">
-                    <a:avLst/>
-                  </a:prstGeom>
-                </p:spPr>
-              </p:pic>
-              <p:sp>
-                <p:nvSpPr>
-                  <p:cNvPr id="6" name="TextBox 5">
-                    <a:extLst>
-                      <a:ext uri="{FF2B5EF4-FFF2-40B4-BE49-F238E27FC236}">
-                        <a16:creationId xmlns:a16="http://schemas.microsoft.com/office/drawing/2014/main" id="{9E5D7185-12C2-433C-8957-21291649A4E8}"/>
-                      </a:ext>
-                    </a:extLst>
-                  </p:cNvPr>
-                  <p:cNvSpPr txBox="1"/>
-                  <p:nvPr/>
-                </p:nvSpPr>
-                <p:spPr>
-                  <a:xfrm>
-                    <a:off x="2135186" y="1343833"/>
-                    <a:ext cx="1330848" cy="261610"/>
-                  </a:xfrm>
-                  <a:prstGeom prst="rect">
-                    <a:avLst/>
-                  </a:prstGeom>
-                  <a:noFill/>
-                </p:spPr>
-                <p:txBody>
-                  <a:bodyPr wrap="square" rtlCol="0">
-                    <a:spAutoFit/>
-                  </a:bodyPr>
-                  <a:lstStyle/>
-                  <a:p>
-                    <a:r>
-                      <a:rPr lang="en-US" altLang="ko-KR" sz="1100" dirty="0">
-                        <a:latin typeface="Microsoft GothicNeo" panose="020B0500000101010101" pitchFamily="50" charset="-127"/>
-                        <a:ea typeface="Microsoft GothicNeo" panose="020B0500000101010101" pitchFamily="50" charset="-127"/>
-                        <a:cs typeface="Microsoft GothicNeo" panose="020B0500000101010101" pitchFamily="50" charset="-127"/>
-                      </a:rPr>
-                      <a:t>AWS Cloud</a:t>
-                    </a:r>
-                    <a:endParaRPr lang="ko-KR" altLang="en-US" sz="1100" dirty="0">
-                      <a:latin typeface="Microsoft GothicNeo" panose="020B0500000101010101" pitchFamily="50" charset="-127"/>
-                      <a:ea typeface="Microsoft GothicNeo" panose="020B0500000101010101" pitchFamily="50" charset="-127"/>
-                      <a:cs typeface="Microsoft GothicNeo" panose="020B0500000101010101" pitchFamily="50" charset="-127"/>
-                    </a:endParaRPr>
-                  </a:p>
-                </p:txBody>
-              </p:sp>
-            </p:grpSp>
-          </p:grpSp>
-          <p:grpSp>
-            <p:nvGrpSpPr>
-              <p:cNvPr id="8" name="그룹 7">
-                <a:extLst>
-                  <a:ext uri="{FF2B5EF4-FFF2-40B4-BE49-F238E27FC236}">
-                    <a16:creationId xmlns:a16="http://schemas.microsoft.com/office/drawing/2014/main" id="{E429699E-1C39-4BDB-9DF9-DFB6A889B1AC}"/>
-                  </a:ext>
-                </a:extLst>
-              </p:cNvPr>
-              <p:cNvGrpSpPr/>
-              <p:nvPr/>
-            </p:nvGrpSpPr>
-            <p:grpSpPr>
-              <a:xfrm>
-                <a:off x="2386673" y="1163702"/>
-                <a:ext cx="3727134" cy="1544237"/>
-                <a:chOff x="957701" y="1884762"/>
-                <a:chExt cx="3727134" cy="1544237"/>
-              </a:xfrm>
-            </p:grpSpPr>
-            <p:pic>
-              <p:nvPicPr>
-                <p:cNvPr id="1026" name="Picture 2" descr="WordPress Amazon S3 Storage Plugin">
-                  <a:extLst>
-                    <a:ext uri="{FF2B5EF4-FFF2-40B4-BE49-F238E27FC236}">
-                      <a16:creationId xmlns:a16="http://schemas.microsoft.com/office/drawing/2014/main" id="{70B07915-8285-4CDE-8981-8D9A9C6DB34E}"/>
-                    </a:ext>
-                  </a:extLst>
-                </p:cNvPr>
-                <p:cNvPicPr>
-                  <a:picLocks noChangeAspect="1" noChangeArrowheads="1"/>
-                </p:cNvPicPr>
-                <p:nvPr/>
-              </p:nvPicPr>
-              <p:blipFill>
-                <a:blip r:embed="rId3">
-                  <a:extLst>
-                    <a:ext uri="{28A0092B-C50C-407E-A947-70E740481C1C}">
-                      <a14:useLocalDpi xmlns:a14="http://schemas.microsoft.com/office/drawing/2010/main" val="0"/>
-                    </a:ext>
-                  </a:extLst>
-                </a:blip>
-                <a:srcRect/>
-                <a:stretch>
-                  <a:fillRect/>
-                </a:stretch>
-              </p:blipFill>
-              <p:spPr bwMode="auto">
-                <a:xfrm>
-                  <a:off x="957701" y="1884762"/>
-                  <a:ext cx="3727134" cy="1544237"/>
-                </a:xfrm>
-                <a:prstGeom prst="rect">
-                  <a:avLst/>
-                </a:prstGeom>
-                <a:noFill/>
-                <a:extLst>
-                  <a:ext uri="{909E8E84-426E-40DD-AFC4-6F175D3DCCD1}">
-                    <a14:hiddenFill xmlns:a14="http://schemas.microsoft.com/office/drawing/2010/main">
-                      <a:solidFill>
-                        <a:srgbClr val="FFFFFF"/>
-                      </a:solidFill>
-                    </a14:hiddenFill>
-                  </a:ext>
-                </a:extLst>
-              </p:spPr>
-            </p:pic>
-            <p:sp>
-              <p:nvSpPr>
-                <p:cNvPr id="9" name="TextBox 8">
-                  <a:extLst>
-                    <a:ext uri="{FF2B5EF4-FFF2-40B4-BE49-F238E27FC236}">
-                      <a16:creationId xmlns:a16="http://schemas.microsoft.com/office/drawing/2014/main" id="{3C1D2A7E-3583-4A8F-BDB5-1E8B3F989903}"/>
+                      <a16:creationId xmlns:a16="http://schemas.microsoft.com/office/drawing/2014/main" id="{2EDFAC4F-DC7A-4ACB-857D-4500EF1C5C90}"/>
                     </a:ext>
                   </a:extLst>
                 </p:cNvPr>
@@ -3733,7 +4874,7 @@
               </p:nvSpPr>
               <p:spPr>
                 <a:xfrm>
-                  <a:off x="2480731" y="3048858"/>
+                  <a:off x="10578386" y="2920009"/>
                   <a:ext cx="1330848" cy="261610"/>
                 </a:xfrm>
                 <a:prstGeom prst="rect">
@@ -3753,7 +4894,7 @@
                       <a:ea typeface="Microsoft GothicNeo" panose="020B0500000101010101" pitchFamily="50" charset="-127"/>
                       <a:cs typeface="Microsoft GothicNeo" panose="020B0500000101010101" pitchFamily="50" charset="-127"/>
                     </a:rPr>
-                    <a:t>AWS S3</a:t>
+                    <a:t>Node.js</a:t>
                   </a:r>
                   <a:endParaRPr lang="ko-KR" altLang="en-US" sz="1100" dirty="0">
                     <a:latin typeface="Microsoft GothicNeo" panose="020B0500000101010101" pitchFamily="50" charset="-127"/>
@@ -3763,13 +4904,60 @@
                 </a:p>
               </p:txBody>
             </p:sp>
+            <p:pic>
+              <p:nvPicPr>
+                <p:cNvPr id="62" name="Picture 12">
+                  <a:extLst>
+                    <a:ext uri="{FF2B5EF4-FFF2-40B4-BE49-F238E27FC236}">
+                      <a16:creationId xmlns:a16="http://schemas.microsoft.com/office/drawing/2014/main" id="{87387FC8-0E58-4ACB-A1C5-80C279ED98EC}"/>
+                    </a:ext>
+                  </a:extLst>
+                </p:cNvPr>
+                <p:cNvPicPr>
+                  <a:picLocks noChangeAspect="1" noChangeArrowheads="1"/>
+                </p:cNvPicPr>
+                <p:nvPr/>
+              </p:nvPicPr>
+              <p:blipFill>
+                <a:blip r:embed="rId10">
+                  <a:extLst>
+                    <a:ext uri="{28A0092B-C50C-407E-A947-70E740481C1C}">
+                      <a14:useLocalDpi xmlns:a14="http://schemas.microsoft.com/office/drawing/2010/main" val="0"/>
+                    </a:ext>
+                  </a:extLst>
+                </a:blip>
+                <a:srcRect/>
+                <a:stretch>
+                  <a:fillRect/>
+                </a:stretch>
+              </p:blipFill>
+              <p:spPr bwMode="auto">
+                <a:xfrm>
+                  <a:off x="10033524" y="2244303"/>
+                  <a:ext cx="1806225" cy="677334"/>
+                </a:xfrm>
+                <a:prstGeom prst="rect">
+                  <a:avLst/>
+                </a:prstGeom>
+                <a:noFill/>
+                <a:extLst>
+                  <a:ext uri="{909E8E84-426E-40DD-AFC4-6F175D3DCCD1}">
+                    <a14:hiddenFill xmlns:a14="http://schemas.microsoft.com/office/drawing/2010/main">
+                      <a:solidFill>
+                        <a:srgbClr val="FFFFFF"/>
+                      </a:solidFill>
+                    </a14:hiddenFill>
+                  </a:ext>
+                </a:extLst>
+              </p:spPr>
+            </p:pic>
           </p:grpSp>
           <p:grpSp>
             <p:nvGrpSpPr>
-              <p:cNvPr id="14" name="그룹 13">
+              <p:cNvPr id="46" name="그룹 45">
                 <a:extLst>
                   <a:ext uri="{FF2B5EF4-FFF2-40B4-BE49-F238E27FC236}">
-                    <a16:creationId xmlns:a16="http://schemas.microsoft.com/office/drawing/2014/main" id="{C578CD97-EBE7-4396-9CDE-C51AF8482338}"/>
+                    <a16:creationId xmlns:a16="http://schemas.microsoft.com/office/drawing/2014/main" id="{AD707913-132D-454C-8751-7B22A3B64B6D}"/>
                   </a:ext>
                 </a:extLst>
               </p:cNvPr>
@@ -3778,18 +4966,18 @@
             </p:nvGrpSpPr>
             <p:grpSpPr>
               <a:xfrm>
-                <a:off x="5611347" y="1537888"/>
-                <a:ext cx="1340358" cy="1057475"/>
-                <a:chOff x="4237535" y="2252991"/>
-                <a:chExt cx="1340358" cy="1057475"/>
+                <a:off x="10254279" y="3568343"/>
+                <a:ext cx="1330848" cy="773933"/>
+                <a:chOff x="10254279" y="3449812"/>
+                <a:chExt cx="1330848" cy="773933"/>
               </a:xfrm>
             </p:grpSpPr>
             <p:pic>
               <p:nvPicPr>
-                <p:cNvPr id="1030" name="Picture 6" descr="ec2-icon">
+                <p:cNvPr id="1038" name="Picture 14">
                   <a:extLst>
                     <a:ext uri="{FF2B5EF4-FFF2-40B4-BE49-F238E27FC236}">
-                      <a16:creationId xmlns:a16="http://schemas.microsoft.com/office/drawing/2014/main" id="{B76ECCC0-CF93-46CB-AA86-25B3B1CA9E1A}"/>
+                      <a16:creationId xmlns:a16="http://schemas.microsoft.com/office/drawing/2014/main" id="{C5C62C4F-7A6B-43DF-B545-864A3ADAD7B7}"/>
                     </a:ext>
                   </a:extLst>
                 </p:cNvPr>
@@ -3798,21 +4986,23 @@
                 </p:cNvPicPr>
                 <p:nvPr/>
               </p:nvPicPr>
-              <p:blipFill rotWithShape="1">
-                <a:blip r:embed="rId4">
+              <p:blipFill>
+                <a:blip r:embed="rId12">
                   <a:extLst>
                     <a:ext uri="{28A0092B-C50C-407E-A947-70E740481C1C}">
                       <a14:useLocalDpi xmlns:a14="http://schemas.microsoft.com/office/drawing/2010/main" val="0"/>
                     </a:ext>
                   </a:extLst>
                 </a:blip>
-                <a:srcRect l="10626" t="2371" r="11775" b="16324"/>
-                <a:stretch/>
+                <a:srcRect/>
+                <a:stretch>
+                  <a:fillRect/>
+                </a:stretch>
               </p:blipFill>
               <p:spPr bwMode="auto">
                 <a:xfrm>
-                  <a:off x="4237535" y="2252991"/>
-                  <a:ext cx="759599" cy="795867"/>
+                  <a:off x="10605699" y="3449812"/>
+                  <a:ext cx="622248" cy="539606"/>
                 </a:xfrm>
                 <a:prstGeom prst="rect">
                   <a:avLst/>
@@ -3831,10 +5021,10 @@
             </p:pic>
             <p:sp>
               <p:nvSpPr>
-                <p:cNvPr id="16" name="TextBox 15">
+                <p:cNvPr id="64" name="TextBox 63">
                   <a:extLst>
                     <a:ext uri="{FF2B5EF4-FFF2-40B4-BE49-F238E27FC236}">
-                      <a16:creationId xmlns:a16="http://schemas.microsoft.com/office/drawing/2014/main" id="{6B653EE7-DF4C-4C79-A88A-820B70145772}"/>
+                      <a16:creationId xmlns:a16="http://schemas.microsoft.com/office/drawing/2014/main" id="{926182D0-C0AF-4813-B148-56A6B093D6D1}"/>
                     </a:ext>
                   </a:extLst>
                 </p:cNvPr>
@@ -3843,1043 +5033,7 @@
               </p:nvSpPr>
               <p:spPr>
                 <a:xfrm>
-                  <a:off x="4247045" y="3048856"/>
-                  <a:ext cx="1330848" cy="261610"/>
-                </a:xfrm>
-                <a:prstGeom prst="rect">
-                  <a:avLst/>
-                </a:prstGeom>
-                <a:noFill/>
-              </p:spPr>
-              <p:txBody>
-                <a:bodyPr wrap="square" rtlCol="0">
-                  <a:spAutoFit/>
-                </a:bodyPr>
-                <a:lstStyle/>
-                <a:p>
-                  <a:r>
-                    <a:rPr lang="en-US" altLang="ko-KR" sz="1100" dirty="0">
-                      <a:latin typeface="Microsoft GothicNeo" panose="020B0500000101010101" pitchFamily="50" charset="-127"/>
-                      <a:ea typeface="Microsoft GothicNeo" panose="020B0500000101010101" pitchFamily="50" charset="-127"/>
-                      <a:cs typeface="Microsoft GothicNeo" panose="020B0500000101010101" pitchFamily="50" charset="-127"/>
-                    </a:rPr>
-                    <a:t>AWS EC2</a:t>
-                  </a:r>
-                  <a:endParaRPr lang="ko-KR" altLang="en-US" sz="1100" dirty="0">
-                    <a:latin typeface="Microsoft GothicNeo" panose="020B0500000101010101" pitchFamily="50" charset="-127"/>
-                    <a:ea typeface="Microsoft GothicNeo" panose="020B0500000101010101" pitchFamily="50" charset="-127"/>
-                    <a:cs typeface="Microsoft GothicNeo" panose="020B0500000101010101" pitchFamily="50" charset="-127"/>
-                  </a:endParaRPr>
-                </a:p>
-              </p:txBody>
-            </p:sp>
-          </p:grpSp>
-          <p:pic>
-            <p:nvPicPr>
-              <p:cNvPr id="1032" name="Picture 8" descr="Image">
-                <a:extLst>
-                  <a:ext uri="{FF2B5EF4-FFF2-40B4-BE49-F238E27FC236}">
-                    <a16:creationId xmlns:a16="http://schemas.microsoft.com/office/drawing/2014/main" id="{EAA34458-3191-4A3A-93A1-D69637006887}"/>
-                  </a:ext>
-                </a:extLst>
-              </p:cNvPr>
-              <p:cNvPicPr>
-                <a:picLocks noChangeAspect="1" noChangeArrowheads="1"/>
-              </p:cNvPicPr>
-              <p:nvPr/>
-            </p:nvPicPr>
-            <p:blipFill>
-              <a:blip r:embed="rId5">
-                <a:extLst>
-                  <a:ext uri="{28A0092B-C50C-407E-A947-70E740481C1C}">
-                    <a14:useLocalDpi xmlns:a14="http://schemas.microsoft.com/office/drawing/2010/main" val="0"/>
-                  </a:ext>
-                </a:extLst>
-              </a:blip>
-              <a:srcRect/>
-              <a:stretch>
-                <a:fillRect/>
-              </a:stretch>
-            </p:blipFill>
-            <p:spPr bwMode="auto">
-              <a:xfrm>
-                <a:off x="6080300" y="4776911"/>
-                <a:ext cx="913018" cy="1025676"/>
-              </a:xfrm>
-              <a:prstGeom prst="rect">
-                <a:avLst/>
-              </a:prstGeom>
-              <a:noFill/>
-              <a:extLst>
-                <a:ext uri="{909E8E84-426E-40DD-AFC4-6F175D3DCCD1}">
-                  <a14:hiddenFill xmlns:a14="http://schemas.microsoft.com/office/drawing/2010/main">
-                    <a:solidFill>
-                      <a:srgbClr val="FFFFFF"/>
-                    </a:solidFill>
-                  </a14:hiddenFill>
-                </a:ext>
-              </a:extLst>
-            </p:spPr>
-          </p:pic>
-          <p:grpSp>
-            <p:nvGrpSpPr>
-              <p:cNvPr id="24" name="그룹 23">
-                <a:extLst>
-                  <a:ext uri="{FF2B5EF4-FFF2-40B4-BE49-F238E27FC236}">
-                    <a16:creationId xmlns:a16="http://schemas.microsoft.com/office/drawing/2014/main" id="{5B0C1BDB-58C8-4CA5-8C3B-10F25379BF92}"/>
-                  </a:ext>
-                </a:extLst>
-              </p:cNvPr>
-              <p:cNvGrpSpPr/>
-              <p:nvPr/>
-            </p:nvGrpSpPr>
-            <p:grpSpPr>
-              <a:xfrm>
-                <a:off x="838425" y="2123990"/>
-                <a:ext cx="1543229" cy="1171501"/>
-                <a:chOff x="943734" y="2909234"/>
-                <a:chExt cx="1543229" cy="1171501"/>
-              </a:xfrm>
-            </p:grpSpPr>
-            <p:sp>
-              <p:nvSpPr>
-                <p:cNvPr id="28" name="직사각형 27">
-                  <a:extLst>
-                    <a:ext uri="{FF2B5EF4-FFF2-40B4-BE49-F238E27FC236}">
-                      <a16:creationId xmlns:a16="http://schemas.microsoft.com/office/drawing/2014/main" id="{D9055861-E30A-4137-BC17-DDA5C3A77484}"/>
-                    </a:ext>
-                  </a:extLst>
-                </p:cNvPr>
-                <p:cNvSpPr/>
-                <p:nvPr/>
-              </p:nvSpPr>
-              <p:spPr>
-                <a:xfrm>
-                  <a:off x="950699" y="3006269"/>
-                  <a:ext cx="1083968" cy="785178"/>
-                </a:xfrm>
-                <a:prstGeom prst="rect">
-                  <a:avLst/>
-                </a:prstGeom>
-                <a:solidFill>
-                  <a:schemeClr val="bg1"/>
-                </a:solidFill>
-                <a:ln>
-                  <a:noFill/>
-                </a:ln>
-              </p:spPr>
-              <p:style>
-                <a:lnRef idx="2">
-                  <a:schemeClr val="accent1">
-                    <a:shade val="50000"/>
-                  </a:schemeClr>
-                </a:lnRef>
-                <a:fillRef idx="1">
-                  <a:schemeClr val="accent1"/>
-                </a:fillRef>
-                <a:effectRef idx="0">
-                  <a:schemeClr val="accent1"/>
-                </a:effectRef>
-                <a:fontRef idx="minor">
-                  <a:schemeClr val="lt1"/>
-                </a:fontRef>
-              </p:style>
-              <p:txBody>
-                <a:bodyPr rtlCol="0" anchor="ctr"/>
-                <a:lstStyle/>
-                <a:p>
-                  <a:pPr algn="ctr"/>
-                  <a:endParaRPr lang="ko-KR" altLang="en-US"/>
-                </a:p>
-              </p:txBody>
-            </p:sp>
-            <p:grpSp>
-              <p:nvGrpSpPr>
-                <p:cNvPr id="19" name="그룹 18">
-                  <a:extLst>
-                    <a:ext uri="{FF2B5EF4-FFF2-40B4-BE49-F238E27FC236}">
-                      <a16:creationId xmlns:a16="http://schemas.microsoft.com/office/drawing/2014/main" id="{C43C4471-536E-4A19-9B19-651364203168}"/>
-                    </a:ext>
-                  </a:extLst>
-                </p:cNvPr>
-                <p:cNvGrpSpPr/>
-                <p:nvPr/>
-              </p:nvGrpSpPr>
-              <p:grpSpPr>
-                <a:xfrm>
-                  <a:off x="943734" y="2909234"/>
-                  <a:ext cx="1543229" cy="1171501"/>
-                  <a:chOff x="683487" y="2245539"/>
-                  <a:chExt cx="1543229" cy="1171501"/>
-                </a:xfrm>
-              </p:grpSpPr>
-              <p:pic>
-                <p:nvPicPr>
-                  <p:cNvPr id="17" name="그림 16">
-                    <a:extLst>
-                      <a:ext uri="{FF2B5EF4-FFF2-40B4-BE49-F238E27FC236}">
-                        <a16:creationId xmlns:a16="http://schemas.microsoft.com/office/drawing/2014/main" id="{E6569F8E-FDB8-4029-9A0B-E806CC2461BB}"/>
-                      </a:ext>
-                    </a:extLst>
-                  </p:cNvPr>
-                  <p:cNvPicPr>
-                    <a:picLocks noChangeAspect="1"/>
-                  </p:cNvPicPr>
-                  <p:nvPr/>
-                </p:nvPicPr>
-                <p:blipFill>
-                  <a:blip r:embed="rId6">
-                    <a:extLst>
-                      <a:ext uri="{28A0092B-C50C-407E-A947-70E740481C1C}">
-                        <a14:useLocalDpi xmlns:a14="http://schemas.microsoft.com/office/drawing/2010/main" val="0"/>
-                      </a:ext>
-                    </a:extLst>
-                  </a:blip>
-                  <a:stretch>
-                    <a:fillRect/>
-                  </a:stretch>
-                </p:blipFill>
-                <p:spPr>
-                  <a:xfrm>
-                    <a:off x="683487" y="2245539"/>
-                    <a:ext cx="942746" cy="942746"/>
-                  </a:xfrm>
-                  <a:prstGeom prst="rect">
-                    <a:avLst/>
-                  </a:prstGeom>
-                </p:spPr>
-              </p:pic>
-              <p:sp>
-                <p:nvSpPr>
-                  <p:cNvPr id="21" name="TextBox 20">
-                    <a:extLst>
-                      <a:ext uri="{FF2B5EF4-FFF2-40B4-BE49-F238E27FC236}">
-                        <a16:creationId xmlns:a16="http://schemas.microsoft.com/office/drawing/2014/main" id="{8E69B19B-28C6-463F-8D23-EE8E6FF5F70E}"/>
-                      </a:ext>
-                    </a:extLst>
-                  </p:cNvPr>
-                  <p:cNvSpPr txBox="1"/>
-                  <p:nvPr/>
-                </p:nvSpPr>
-                <p:spPr>
-                  <a:xfrm>
-                    <a:off x="895868" y="3155430"/>
-                    <a:ext cx="1330848" cy="261610"/>
-                  </a:xfrm>
-                  <a:prstGeom prst="rect">
-                    <a:avLst/>
-                  </a:prstGeom>
-                  <a:noFill/>
-                </p:spPr>
-                <p:txBody>
-                  <a:bodyPr wrap="square" rtlCol="0">
-                    <a:spAutoFit/>
-                  </a:bodyPr>
-                  <a:lstStyle/>
-                  <a:p>
-                    <a:r>
-                      <a:rPr lang="en-US" altLang="ko-KR" sz="1100" dirty="0">
-                        <a:latin typeface="Microsoft GothicNeo" panose="020B0500000101010101" pitchFamily="50" charset="-127"/>
-                        <a:ea typeface="Microsoft GothicNeo" panose="020B0500000101010101" pitchFamily="50" charset="-127"/>
-                        <a:cs typeface="Microsoft GothicNeo" panose="020B0500000101010101" pitchFamily="50" charset="-127"/>
-                      </a:rPr>
-                      <a:t>Client</a:t>
-                    </a:r>
-                    <a:endParaRPr lang="ko-KR" altLang="en-US" sz="1100" dirty="0">
-                      <a:latin typeface="Microsoft GothicNeo" panose="020B0500000101010101" pitchFamily="50" charset="-127"/>
-                      <a:ea typeface="Microsoft GothicNeo" panose="020B0500000101010101" pitchFamily="50" charset="-127"/>
-                      <a:cs typeface="Microsoft GothicNeo" panose="020B0500000101010101" pitchFamily="50" charset="-127"/>
-                    </a:endParaRPr>
-                  </a:p>
-                </p:txBody>
-              </p:sp>
-            </p:grpSp>
-          </p:grpSp>
-          <p:grpSp>
-            <p:nvGrpSpPr>
-              <p:cNvPr id="23" name="그룹 22">
-                <a:extLst>
-                  <a:ext uri="{FF2B5EF4-FFF2-40B4-BE49-F238E27FC236}">
-                    <a16:creationId xmlns:a16="http://schemas.microsoft.com/office/drawing/2014/main" id="{60BFA785-4D42-4F39-98B2-F13856B6612F}"/>
-                  </a:ext>
-                </a:extLst>
-              </p:cNvPr>
-              <p:cNvGrpSpPr/>
-              <p:nvPr/>
-            </p:nvGrpSpPr>
-            <p:grpSpPr>
-              <a:xfrm>
-                <a:off x="698942" y="3430088"/>
-                <a:ext cx="1330848" cy="757387"/>
-                <a:chOff x="834731" y="4215332"/>
-                <a:chExt cx="1330848" cy="757387"/>
-              </a:xfrm>
-            </p:grpSpPr>
-            <p:pic>
-              <p:nvPicPr>
-                <p:cNvPr id="22" name="그림 21">
-                  <a:extLst>
-                    <a:ext uri="{FF2B5EF4-FFF2-40B4-BE49-F238E27FC236}">
-                      <a16:creationId xmlns:a16="http://schemas.microsoft.com/office/drawing/2014/main" id="{1ECA89AB-444B-47B6-B6F4-910E772931F9}"/>
-                    </a:ext>
-                  </a:extLst>
-                </p:cNvPr>
-                <p:cNvPicPr>
-                  <a:picLocks noChangeAspect="1"/>
-                </p:cNvPicPr>
-                <p:nvPr/>
-              </p:nvPicPr>
-              <p:blipFill>
-                <a:blip r:embed="rId7">
-                  <a:extLst>
-                    <a:ext uri="{28A0092B-C50C-407E-A947-70E740481C1C}">
-                      <a14:useLocalDpi xmlns:a14="http://schemas.microsoft.com/office/drawing/2010/main" val="0"/>
-                    </a:ext>
-                  </a:extLst>
-                </a:blip>
-                <a:stretch>
-                  <a:fillRect/>
-                </a:stretch>
-              </p:blipFill>
-              <p:spPr>
-                <a:xfrm>
-                  <a:off x="851207" y="4215332"/>
-                  <a:ext cx="559868" cy="559868"/>
-                </a:xfrm>
-                <a:prstGeom prst="rect">
-                  <a:avLst/>
-                </a:prstGeom>
-              </p:spPr>
-            </p:pic>
-            <p:sp>
-              <p:nvSpPr>
-                <p:cNvPr id="29" name="TextBox 28">
-                  <a:extLst>
-                    <a:ext uri="{FF2B5EF4-FFF2-40B4-BE49-F238E27FC236}">
-                      <a16:creationId xmlns:a16="http://schemas.microsoft.com/office/drawing/2014/main" id="{F2D671B0-CBCC-4282-9470-18D2706A72E7}"/>
-                    </a:ext>
-                  </a:extLst>
-                </p:cNvPr>
-                <p:cNvSpPr txBox="1"/>
-                <p:nvPr/>
-              </p:nvSpPr>
-              <p:spPr>
-                <a:xfrm>
-                  <a:off x="834731" y="4711109"/>
-                  <a:ext cx="1330848" cy="261610"/>
-                </a:xfrm>
-                <a:prstGeom prst="rect">
-                  <a:avLst/>
-                </a:prstGeom>
-                <a:noFill/>
-              </p:spPr>
-              <p:txBody>
-                <a:bodyPr wrap="square" rtlCol="0">
-                  <a:spAutoFit/>
-                </a:bodyPr>
-                <a:lstStyle/>
-                <a:p>
-                  <a:r>
-                    <a:rPr lang="en-US" altLang="ko-KR" sz="1100" dirty="0">
-                      <a:latin typeface="Microsoft GothicNeo" panose="020B0500000101010101" pitchFamily="50" charset="-127"/>
-                      <a:ea typeface="Microsoft GothicNeo" panose="020B0500000101010101" pitchFamily="50" charset="-127"/>
-                      <a:cs typeface="Microsoft GothicNeo" panose="020B0500000101010101" pitchFamily="50" charset="-127"/>
-                    </a:rPr>
-                    <a:t>Kotlin</a:t>
-                  </a:r>
-                  <a:endParaRPr lang="ko-KR" altLang="en-US" sz="1100" dirty="0">
-                    <a:latin typeface="Microsoft GothicNeo" panose="020B0500000101010101" pitchFamily="50" charset="-127"/>
-                    <a:ea typeface="Microsoft GothicNeo" panose="020B0500000101010101" pitchFamily="50" charset="-127"/>
-                    <a:cs typeface="Microsoft GothicNeo" panose="020B0500000101010101" pitchFamily="50" charset="-127"/>
-                  </a:endParaRPr>
-                </a:p>
-              </p:txBody>
-            </p:sp>
-          </p:grpSp>
-          <p:grpSp>
-            <p:nvGrpSpPr>
-              <p:cNvPr id="26" name="그룹 25">
-                <a:extLst>
-                  <a:ext uri="{FF2B5EF4-FFF2-40B4-BE49-F238E27FC236}">
-                    <a16:creationId xmlns:a16="http://schemas.microsoft.com/office/drawing/2014/main" id="{78B73C24-E5AA-4E70-B897-8263C853C843}"/>
-                  </a:ext>
-                </a:extLst>
-              </p:cNvPr>
-              <p:cNvGrpSpPr/>
-              <p:nvPr/>
-            </p:nvGrpSpPr>
-            <p:grpSpPr>
-              <a:xfrm>
-                <a:off x="6945804" y="1624684"/>
-                <a:ext cx="1563883" cy="1132249"/>
-                <a:chOff x="6958321" y="2295003"/>
-                <a:chExt cx="1563883" cy="1132249"/>
-              </a:xfrm>
-            </p:grpSpPr>
-            <p:pic>
-              <p:nvPicPr>
-                <p:cNvPr id="35" name="Graphic 7">
-                  <a:extLst>
-                    <a:ext uri="{FF2B5EF4-FFF2-40B4-BE49-F238E27FC236}">
-                      <a16:creationId xmlns:a16="http://schemas.microsoft.com/office/drawing/2014/main" id="{D867081F-524E-A942-80DC-8297CD83C96B}"/>
-                    </a:ext>
-                  </a:extLst>
-                </p:cNvPr>
-                <p:cNvPicPr>
-                  <a:picLocks noChangeAspect="1" noChangeArrowheads="1"/>
-                </p:cNvPicPr>
-                <p:nvPr/>
-              </p:nvPicPr>
-              <p:blipFill>
-                <a:blip r:embed="rId8">
-                  <a:extLst>
-                    <a:ext uri="{28A0092B-C50C-407E-A947-70E740481C1C}">
-                      <a14:useLocalDpi xmlns:a14="http://schemas.microsoft.com/office/drawing/2010/main" val="0"/>
-                    </a:ext>
-                  </a:extLst>
-                </a:blip>
-                <a:srcRect/>
-                <a:stretch>
-                  <a:fillRect/>
-                </a:stretch>
-              </p:blipFill>
-              <p:spPr bwMode="auto">
-                <a:xfrm>
-                  <a:off x="7378047" y="2295003"/>
-                  <a:ext cx="711200" cy="711200"/>
-                </a:xfrm>
-                <a:prstGeom prst="rect">
-                  <a:avLst/>
-                </a:prstGeom>
-                <a:noFill/>
-                <a:ln>
-                  <a:noFill/>
-                </a:ln>
-                <a:extLst>
-                  <a:ext uri="{909E8E84-426E-40DD-AFC4-6F175D3DCCD1}">
-                    <a14:hiddenFill xmlns:a14="http://schemas.microsoft.com/office/drawing/2010/main">
-                      <a:solidFill>
-                        <a:srgbClr val="FFFFFF"/>
-                      </a:solidFill>
-                    </a14:hiddenFill>
-                  </a:ext>
-                  <a:ext uri="{91240B29-F687-4F45-9708-019B960494DF}">
-                    <a14:hiddenLine xmlns:a14="http://schemas.microsoft.com/office/drawing/2010/main" w="9525">
-                      <a:solidFill>
-                        <a:srgbClr val="000000"/>
-                      </a:solidFill>
-                      <a:miter lim="800000"/>
-                      <a:headEnd/>
-                      <a:tailEnd/>
-                    </a14:hiddenLine>
-                  </a:ext>
-                </a:extLst>
-              </p:spPr>
-            </p:pic>
-            <p:sp>
-              <p:nvSpPr>
-                <p:cNvPr id="36" name="TextBox 35">
-                  <a:extLst>
-                    <a:ext uri="{FF2B5EF4-FFF2-40B4-BE49-F238E27FC236}">
-                      <a16:creationId xmlns:a16="http://schemas.microsoft.com/office/drawing/2014/main" id="{D551E391-617A-4FF0-9BD3-294D638486F3}"/>
-                    </a:ext>
-                  </a:extLst>
-                </p:cNvPr>
-                <p:cNvSpPr txBox="1"/>
-                <p:nvPr/>
-              </p:nvSpPr>
-              <p:spPr>
-                <a:xfrm>
-                  <a:off x="6958321" y="2996365"/>
-                  <a:ext cx="1563883" cy="430887"/>
-                </a:xfrm>
-                <a:prstGeom prst="rect">
-                  <a:avLst/>
-                </a:prstGeom>
-                <a:noFill/>
-              </p:spPr>
-              <p:txBody>
-                <a:bodyPr wrap="square" rtlCol="0">
-                  <a:spAutoFit/>
-                </a:bodyPr>
-                <a:lstStyle/>
-                <a:p>
-                  <a:pPr algn="ctr"/>
-                  <a:r>
-                    <a:rPr lang="en-US" altLang="ko-KR" sz="1100" dirty="0">
-                      <a:latin typeface="Microsoft GothicNeo" panose="020B0500000101010101" pitchFamily="50" charset="-127"/>
-                      <a:ea typeface="Microsoft GothicNeo" panose="020B0500000101010101" pitchFamily="50" charset="-127"/>
-                      <a:cs typeface="Microsoft GothicNeo" panose="020B0500000101010101" pitchFamily="50" charset="-127"/>
-                    </a:rPr>
-                    <a:t>AWS Elasticsearch </a:t>
-                  </a:r>
-                </a:p>
-                <a:p>
-                  <a:pPr algn="ctr"/>
-                  <a:r>
-                    <a:rPr lang="en-US" altLang="ko-KR" sz="1100" dirty="0">
-                      <a:latin typeface="Microsoft GothicNeo" panose="020B0500000101010101" pitchFamily="50" charset="-127"/>
-                      <a:ea typeface="Microsoft GothicNeo" panose="020B0500000101010101" pitchFamily="50" charset="-127"/>
-                      <a:cs typeface="Microsoft GothicNeo" panose="020B0500000101010101" pitchFamily="50" charset="-127"/>
-                    </a:rPr>
-                    <a:t>Service</a:t>
-                  </a:r>
-                  <a:endParaRPr lang="ko-KR" altLang="en-US" sz="1100" dirty="0">
-                    <a:latin typeface="Microsoft GothicNeo" panose="020B0500000101010101" pitchFamily="50" charset="-127"/>
-                    <a:ea typeface="Microsoft GothicNeo" panose="020B0500000101010101" pitchFamily="50" charset="-127"/>
-                    <a:cs typeface="Microsoft GothicNeo" panose="020B0500000101010101" pitchFamily="50" charset="-127"/>
-                  </a:endParaRPr>
-                </a:p>
-              </p:txBody>
-            </p:sp>
-          </p:grpSp>
-          <p:grpSp>
-            <p:nvGrpSpPr>
-              <p:cNvPr id="32" name="그룹 31">
-                <a:extLst>
-                  <a:ext uri="{FF2B5EF4-FFF2-40B4-BE49-F238E27FC236}">
-                    <a16:creationId xmlns:a16="http://schemas.microsoft.com/office/drawing/2014/main" id="{CC62A7CD-7B94-4CC5-836B-5853CE190964}"/>
-                  </a:ext>
-                </a:extLst>
-              </p:cNvPr>
-              <p:cNvGrpSpPr/>
-              <p:nvPr/>
-            </p:nvGrpSpPr>
-            <p:grpSpPr>
-              <a:xfrm>
-                <a:off x="6907422" y="3430088"/>
-                <a:ext cx="1563883" cy="898741"/>
-                <a:chOff x="6879406" y="3146895"/>
-                <a:chExt cx="1563883" cy="898741"/>
-              </a:xfrm>
-            </p:grpSpPr>
-            <p:pic>
-              <p:nvPicPr>
-                <p:cNvPr id="31" name="그림 30">
-                  <a:extLst>
-                    <a:ext uri="{FF2B5EF4-FFF2-40B4-BE49-F238E27FC236}">
-                      <a16:creationId xmlns:a16="http://schemas.microsoft.com/office/drawing/2014/main" id="{430AD6C4-0889-48EE-8F88-0EA6DB2DBB23}"/>
-                    </a:ext>
-                  </a:extLst>
-                </p:cNvPr>
-                <p:cNvPicPr>
-                  <a:picLocks noChangeAspect="1"/>
-                </p:cNvPicPr>
-                <p:nvPr/>
-              </p:nvPicPr>
-              <p:blipFill>
-                <a:blip r:embed="rId9">
-                  <a:extLst>
-                    <a:ext uri="{28A0092B-C50C-407E-A947-70E740481C1C}">
-                      <a14:useLocalDpi xmlns:a14="http://schemas.microsoft.com/office/drawing/2010/main" val="0"/>
-                    </a:ext>
-                  </a:extLst>
-                </a:blip>
-                <a:stretch>
-                  <a:fillRect/>
-                </a:stretch>
-              </p:blipFill>
-              <p:spPr>
-                <a:xfrm>
-                  <a:off x="7365531" y="3146895"/>
-                  <a:ext cx="566296" cy="670997"/>
-                </a:xfrm>
-                <a:prstGeom prst="rect">
-                  <a:avLst/>
-                </a:prstGeom>
-              </p:spPr>
-            </p:pic>
-            <p:sp>
-              <p:nvSpPr>
-                <p:cNvPr id="40" name="TextBox 39">
-                  <a:extLst>
-                    <a:ext uri="{FF2B5EF4-FFF2-40B4-BE49-F238E27FC236}">
-                      <a16:creationId xmlns:a16="http://schemas.microsoft.com/office/drawing/2014/main" id="{FB821BDD-EB8E-4D03-A2A4-B2B237874E08}"/>
-                    </a:ext>
-                  </a:extLst>
-                </p:cNvPr>
-                <p:cNvSpPr txBox="1"/>
-                <p:nvPr/>
-              </p:nvSpPr>
-              <p:spPr>
-                <a:xfrm>
-                  <a:off x="6879406" y="3784026"/>
-                  <a:ext cx="1563883" cy="261610"/>
-                </a:xfrm>
-                <a:prstGeom prst="rect">
-                  <a:avLst/>
-                </a:prstGeom>
-                <a:noFill/>
-              </p:spPr>
-              <p:txBody>
-                <a:bodyPr wrap="square" rtlCol="0">
-                  <a:spAutoFit/>
-                </a:bodyPr>
-                <a:lstStyle/>
-                <a:p>
-                  <a:pPr algn="ctr"/>
-                  <a:r>
-                    <a:rPr lang="en-US" altLang="ko-KR" sz="1100" dirty="0">
-                      <a:latin typeface="Microsoft GothicNeo" panose="020B0500000101010101" pitchFamily="50" charset="-127"/>
-                      <a:ea typeface="Microsoft GothicNeo" panose="020B0500000101010101" pitchFamily="50" charset="-127"/>
-                      <a:cs typeface="Microsoft GothicNeo" panose="020B0500000101010101" pitchFamily="50" charset="-127"/>
-                    </a:rPr>
-                    <a:t>Logstash</a:t>
-                  </a:r>
-                  <a:endParaRPr lang="ko-KR" altLang="en-US" sz="1100" dirty="0">
-                    <a:latin typeface="Microsoft GothicNeo" panose="020B0500000101010101" pitchFamily="50" charset="-127"/>
-                    <a:ea typeface="Microsoft GothicNeo" panose="020B0500000101010101" pitchFamily="50" charset="-127"/>
-                    <a:cs typeface="Microsoft GothicNeo" panose="020B0500000101010101" pitchFamily="50" charset="-127"/>
-                  </a:endParaRPr>
-                </a:p>
-              </p:txBody>
-            </p:sp>
-          </p:grpSp>
-          <p:grpSp>
-            <p:nvGrpSpPr>
-              <p:cNvPr id="39" name="그룹 38">
-                <a:extLst>
-                  <a:ext uri="{FF2B5EF4-FFF2-40B4-BE49-F238E27FC236}">
-                    <a16:creationId xmlns:a16="http://schemas.microsoft.com/office/drawing/2014/main" id="{AD2A987D-9CF5-4508-8595-C0235D72700B}"/>
-                  </a:ext>
-                </a:extLst>
-              </p:cNvPr>
-              <p:cNvGrpSpPr/>
-              <p:nvPr/>
-            </p:nvGrpSpPr>
-            <p:grpSpPr>
-              <a:xfrm>
-                <a:off x="3452408" y="3856528"/>
-                <a:ext cx="1876424" cy="2329790"/>
-                <a:chOff x="3158412" y="3463614"/>
-                <a:chExt cx="1876424" cy="2329790"/>
-              </a:xfrm>
-            </p:grpSpPr>
-            <p:grpSp>
-              <p:nvGrpSpPr>
-                <p:cNvPr id="25" name="그룹 24">
-                  <a:extLst>
-                    <a:ext uri="{FF2B5EF4-FFF2-40B4-BE49-F238E27FC236}">
-                      <a16:creationId xmlns:a16="http://schemas.microsoft.com/office/drawing/2014/main" id="{1A9B7E07-570F-4C43-A785-F37DDB9C399A}"/>
-                    </a:ext>
-                  </a:extLst>
-                </p:cNvPr>
-                <p:cNvGrpSpPr/>
-                <p:nvPr/>
-              </p:nvGrpSpPr>
-              <p:grpSpPr>
-                <a:xfrm>
-                  <a:off x="3159126" y="4483750"/>
-                  <a:ext cx="1875710" cy="920383"/>
-                  <a:chOff x="5802963" y="5940935"/>
-                  <a:chExt cx="1875710" cy="920383"/>
-                </a:xfrm>
-              </p:grpSpPr>
-              <p:sp>
-                <p:nvSpPr>
-                  <p:cNvPr id="33" name="TextBox 32">
-                    <a:extLst>
-                      <a:ext uri="{FF2B5EF4-FFF2-40B4-BE49-F238E27FC236}">
-                        <a16:creationId xmlns:a16="http://schemas.microsoft.com/office/drawing/2014/main" id="{3A85AD1A-FD32-454F-BD6A-F13F7DD96D90}"/>
-                      </a:ext>
-                    </a:extLst>
-                  </p:cNvPr>
-                  <p:cNvSpPr txBox="1"/>
-                  <p:nvPr/>
-                </p:nvSpPr>
-                <p:spPr>
-                  <a:xfrm>
-                    <a:off x="6347825" y="6599708"/>
-                    <a:ext cx="1330848" cy="261610"/>
-                  </a:xfrm>
-                  <a:prstGeom prst="rect">
-                    <a:avLst/>
-                  </a:prstGeom>
-                  <a:noFill/>
-                </p:spPr>
-                <p:txBody>
-                  <a:bodyPr wrap="square" rtlCol="0">
-                    <a:spAutoFit/>
-                  </a:bodyPr>
-                  <a:lstStyle/>
-                  <a:p>
-                    <a:r>
-                      <a:rPr lang="en-US" altLang="ko-KR" sz="1100" dirty="0">
-                        <a:latin typeface="Microsoft GothicNeo" panose="020B0500000101010101" pitchFamily="50" charset="-127"/>
-                        <a:ea typeface="Microsoft GothicNeo" panose="020B0500000101010101" pitchFamily="50" charset="-127"/>
-                        <a:cs typeface="Microsoft GothicNeo" panose="020B0500000101010101" pitchFamily="50" charset="-127"/>
-                      </a:rPr>
-                      <a:t>Node.js</a:t>
-                    </a:r>
-                    <a:endParaRPr lang="ko-KR" altLang="en-US" sz="1100" dirty="0">
-                      <a:latin typeface="Microsoft GothicNeo" panose="020B0500000101010101" pitchFamily="50" charset="-127"/>
-                      <a:ea typeface="Microsoft GothicNeo" panose="020B0500000101010101" pitchFamily="50" charset="-127"/>
-                      <a:cs typeface="Microsoft GothicNeo" panose="020B0500000101010101" pitchFamily="50" charset="-127"/>
-                    </a:endParaRPr>
-                  </a:p>
-                </p:txBody>
-              </p:sp>
-              <p:pic>
-                <p:nvPicPr>
-                  <p:cNvPr id="1036" name="Picture 12">
-                    <a:extLst>
-                      <a:ext uri="{FF2B5EF4-FFF2-40B4-BE49-F238E27FC236}">
-                        <a16:creationId xmlns:a16="http://schemas.microsoft.com/office/drawing/2014/main" id="{B74C9C36-3A41-46FE-8E31-1FF35920BFBB}"/>
-                      </a:ext>
-                    </a:extLst>
-                  </p:cNvPr>
-                  <p:cNvPicPr>
-                    <a:picLocks noChangeAspect="1" noChangeArrowheads="1"/>
-                  </p:cNvPicPr>
-                  <p:nvPr/>
-                </p:nvPicPr>
-                <p:blipFill>
-                  <a:blip r:embed="rId10">
-                    <a:extLst>
-                      <a:ext uri="{28A0092B-C50C-407E-A947-70E740481C1C}">
-                        <a14:useLocalDpi xmlns:a14="http://schemas.microsoft.com/office/drawing/2010/main" val="0"/>
-                      </a:ext>
-                    </a:extLst>
-                  </a:blip>
-                  <a:srcRect/>
-                  <a:stretch>
-                    <a:fillRect/>
-                  </a:stretch>
-                </p:blipFill>
-                <p:spPr bwMode="auto">
-                  <a:xfrm>
-                    <a:off x="5802963" y="5940935"/>
-                    <a:ext cx="1806225" cy="677334"/>
-                  </a:xfrm>
-                  <a:prstGeom prst="rect">
-                    <a:avLst/>
-                  </a:prstGeom>
-                  <a:noFill/>
-                  <a:extLst>
-                    <a:ext uri="{909E8E84-426E-40DD-AFC4-6F175D3DCCD1}">
-                      <a14:hiddenFill xmlns:a14="http://schemas.microsoft.com/office/drawing/2010/main">
-                        <a:solidFill>
-                          <a:srgbClr val="FFFFFF"/>
-                        </a:solidFill>
-                      </a14:hiddenFill>
-                    </a:ext>
-                  </a:extLst>
-                </p:spPr>
-              </p:pic>
-            </p:grpSp>
-            <p:grpSp>
-              <p:nvGrpSpPr>
-                <p:cNvPr id="38" name="그룹 37">
-                  <a:extLst>
-                    <a:ext uri="{FF2B5EF4-FFF2-40B4-BE49-F238E27FC236}">
-                      <a16:creationId xmlns:a16="http://schemas.microsoft.com/office/drawing/2014/main" id="{582DD480-80A7-4EE4-80ED-7DF80B75A0B3}"/>
-                    </a:ext>
-                  </a:extLst>
-                </p:cNvPr>
-                <p:cNvGrpSpPr/>
-                <p:nvPr/>
-              </p:nvGrpSpPr>
-              <p:grpSpPr>
-                <a:xfrm>
-                  <a:off x="3158412" y="3463614"/>
-                  <a:ext cx="1707749" cy="2329790"/>
-                  <a:chOff x="3158412" y="3463614"/>
-                  <a:chExt cx="3186820" cy="2329790"/>
-                </a:xfrm>
-              </p:grpSpPr>
-              <p:sp>
-                <p:nvSpPr>
-                  <p:cNvPr id="42" name="사각형: 둥근 모서리 41">
-                    <a:extLst>
-                      <a:ext uri="{FF2B5EF4-FFF2-40B4-BE49-F238E27FC236}">
-                        <a16:creationId xmlns:a16="http://schemas.microsoft.com/office/drawing/2014/main" id="{0D39D26A-8065-4AA8-8EB8-D42B1DE13CE7}"/>
-                      </a:ext>
-                    </a:extLst>
-                  </p:cNvPr>
-                  <p:cNvSpPr/>
-                  <p:nvPr/>
-                </p:nvSpPr>
-                <p:spPr>
-                  <a:xfrm>
-                    <a:off x="3158412" y="3929761"/>
-                    <a:ext cx="3186820" cy="1863643"/>
-                  </a:xfrm>
-                  <a:prstGeom prst="roundRect">
-                    <a:avLst>
-                      <a:gd name="adj" fmla="val 8244"/>
-                    </a:avLst>
-                  </a:prstGeom>
-                  <a:noFill/>
-                  <a:ln>
-                    <a:solidFill>
-                      <a:schemeClr val="bg1">
-                        <a:lumMod val="65000"/>
-                      </a:schemeClr>
-                    </a:solidFill>
-                  </a:ln>
-                </p:spPr>
-                <p:style>
-                  <a:lnRef idx="2">
-                    <a:schemeClr val="accent1">
-                      <a:shade val="50000"/>
-                    </a:schemeClr>
-                  </a:lnRef>
-                  <a:fillRef idx="1">
-                    <a:schemeClr val="accent1"/>
-                  </a:fillRef>
-                  <a:effectRef idx="0">
-                    <a:schemeClr val="accent1"/>
-                  </a:effectRef>
-                  <a:fontRef idx="minor">
-                    <a:schemeClr val="lt1"/>
-                  </a:fontRef>
-                </p:style>
-                <p:txBody>
-                  <a:bodyPr rtlCol="0" anchor="ctr"/>
-                  <a:lstStyle/>
-                  <a:p>
-                    <a:pPr algn="ctr"/>
-                    <a:endParaRPr lang="ko-KR" altLang="en-US"/>
-                  </a:p>
-                </p:txBody>
-              </p:sp>
-              <p:sp>
-                <p:nvSpPr>
-                  <p:cNvPr id="43" name="직사각형 42">
-                    <a:extLst>
-                      <a:ext uri="{FF2B5EF4-FFF2-40B4-BE49-F238E27FC236}">
-                        <a16:creationId xmlns:a16="http://schemas.microsoft.com/office/drawing/2014/main" id="{0C6C50A2-28A4-4C8E-B08A-D6DD2E50E7C9}"/>
-                      </a:ext>
-                    </a:extLst>
-                  </p:cNvPr>
-                  <p:cNvSpPr/>
-                  <p:nvPr/>
-                </p:nvSpPr>
-                <p:spPr>
-                  <a:xfrm>
-                    <a:off x="3584266" y="3463614"/>
-                    <a:ext cx="2383030" cy="920383"/>
-                  </a:xfrm>
-                  <a:prstGeom prst="rect">
-                    <a:avLst/>
-                  </a:prstGeom>
-                  <a:solidFill>
-                    <a:schemeClr val="bg1"/>
-                  </a:solidFill>
-                  <a:ln>
-                    <a:noFill/>
-                  </a:ln>
-                </p:spPr>
-                <p:style>
-                  <a:lnRef idx="2">
-                    <a:schemeClr val="accent1">
-                      <a:shade val="50000"/>
-                    </a:schemeClr>
-                  </a:lnRef>
-                  <a:fillRef idx="1">
-                    <a:schemeClr val="accent1"/>
-                  </a:fillRef>
-                  <a:effectRef idx="0">
-                    <a:schemeClr val="accent1"/>
-                  </a:effectRef>
-                  <a:fontRef idx="minor">
-                    <a:schemeClr val="lt1"/>
-                  </a:fontRef>
-                </p:style>
-                <p:txBody>
-                  <a:bodyPr rtlCol="0" anchor="ctr"/>
-                  <a:lstStyle/>
-                  <a:p>
-                    <a:pPr algn="ctr"/>
-                    <a:endParaRPr lang="ko-KR" altLang="en-US"/>
-                  </a:p>
-                </p:txBody>
-              </p:sp>
-              <p:sp>
-                <p:nvSpPr>
-                  <p:cNvPr id="44" name="TextBox 43">
-                    <a:extLst>
-                      <a:ext uri="{FF2B5EF4-FFF2-40B4-BE49-F238E27FC236}">
-                        <a16:creationId xmlns:a16="http://schemas.microsoft.com/office/drawing/2014/main" id="{039A75F7-1FEF-4EAB-BD6C-F3919EE94F03}"/>
-                      </a:ext>
-                    </a:extLst>
-                  </p:cNvPr>
-                  <p:cNvSpPr txBox="1"/>
-                  <p:nvPr/>
-                </p:nvSpPr>
-                <p:spPr>
-                  <a:xfrm>
-                    <a:off x="3584268" y="3763280"/>
-                    <a:ext cx="2383030" cy="400110"/>
-                  </a:xfrm>
-                  <a:prstGeom prst="rect">
-                    <a:avLst/>
-                  </a:prstGeom>
-                  <a:noFill/>
-                </p:spPr>
-                <p:txBody>
-                  <a:bodyPr wrap="square" rtlCol="0">
-                    <a:spAutoFit/>
-                  </a:bodyPr>
-                  <a:lstStyle/>
-                  <a:p>
-                    <a:pPr algn="ctr"/>
-                    <a:r>
-                      <a:rPr lang="ko-KR" altLang="en-US" sz="2000" b="1" dirty="0">
-                        <a:latin typeface="Microsoft GothicNeo" panose="020B0500000101010101" pitchFamily="50" charset="-127"/>
-                        <a:ea typeface="Microsoft GothicNeo" panose="020B0500000101010101" pitchFamily="50" charset="-127"/>
-                        <a:cs typeface="Microsoft GothicNeo" panose="020B0500000101010101" pitchFamily="50" charset="-127"/>
-                      </a:rPr>
-                      <a:t>검색서버</a:t>
-                    </a:r>
-                  </a:p>
-                </p:txBody>
-              </p:sp>
-            </p:grpSp>
-          </p:grpSp>
-          <p:grpSp>
-            <p:nvGrpSpPr>
-              <p:cNvPr id="52" name="그룹 51">
-                <a:extLst>
-                  <a:ext uri="{FF2B5EF4-FFF2-40B4-BE49-F238E27FC236}">
-                    <a16:creationId xmlns:a16="http://schemas.microsoft.com/office/drawing/2014/main" id="{A5A028BF-5190-4F4B-9917-3B1673BA655D}"/>
-                  </a:ext>
-                </a:extLst>
-              </p:cNvPr>
-              <p:cNvGrpSpPr/>
-              <p:nvPr/>
-            </p:nvGrpSpPr>
-            <p:grpSpPr>
-              <a:xfrm>
-                <a:off x="9964108" y="1740260"/>
-                <a:ext cx="1945126" cy="3672898"/>
-                <a:chOff x="9964108" y="948413"/>
-                <a:chExt cx="1945126" cy="3672898"/>
-              </a:xfrm>
-            </p:grpSpPr>
-            <p:sp>
-              <p:nvSpPr>
-                <p:cNvPr id="53" name="사각형: 둥근 모서리 52">
-                  <a:extLst>
-                    <a:ext uri="{FF2B5EF4-FFF2-40B4-BE49-F238E27FC236}">
-                      <a16:creationId xmlns:a16="http://schemas.microsoft.com/office/drawing/2014/main" id="{A4E50099-8235-4A4F-9955-70BB62AE7024}"/>
-                    </a:ext>
-                  </a:extLst>
-                </p:cNvPr>
-                <p:cNvSpPr/>
-                <p:nvPr/>
-              </p:nvSpPr>
-              <p:spPr>
-                <a:xfrm>
-                  <a:off x="9964108" y="1311765"/>
-                  <a:ext cx="1905431" cy="3309546"/>
-                </a:xfrm>
-                <a:prstGeom prst="roundRect">
-                  <a:avLst>
-                    <a:gd name="adj" fmla="val 8244"/>
-                  </a:avLst>
-                </a:prstGeom>
-                <a:noFill/>
-                <a:ln>
-                  <a:solidFill>
-                    <a:schemeClr val="bg1">
-                      <a:lumMod val="65000"/>
-                    </a:schemeClr>
-                  </a:solidFill>
-                </a:ln>
-              </p:spPr>
-              <p:style>
-                <a:lnRef idx="2">
-                  <a:schemeClr val="accent1">
-                    <a:shade val="50000"/>
-                  </a:schemeClr>
-                </a:lnRef>
-                <a:fillRef idx="1">
-                  <a:schemeClr val="accent1"/>
-                </a:fillRef>
-                <a:effectRef idx="0">
-                  <a:schemeClr val="accent1"/>
-                </a:effectRef>
-                <a:fontRef idx="minor">
-                  <a:schemeClr val="lt1"/>
-                </a:fontRef>
-              </p:style>
-              <p:txBody>
-                <a:bodyPr rtlCol="0" anchor="ctr"/>
-                <a:lstStyle/>
-                <a:p>
-                  <a:pPr algn="ctr"/>
-                  <a:endParaRPr lang="ko-KR" altLang="en-US"/>
-                </a:p>
-              </p:txBody>
-            </p:sp>
-            <p:sp>
-              <p:nvSpPr>
-                <p:cNvPr id="55" name="직사각형 54">
-                  <a:extLst>
-                    <a:ext uri="{FF2B5EF4-FFF2-40B4-BE49-F238E27FC236}">
-                      <a16:creationId xmlns:a16="http://schemas.microsoft.com/office/drawing/2014/main" id="{C330403F-57CA-44B9-923D-B83B4BEE5AC1}"/>
-                    </a:ext>
-                  </a:extLst>
-                </p:cNvPr>
-                <p:cNvSpPr/>
-                <p:nvPr/>
-              </p:nvSpPr>
-              <p:spPr>
-                <a:xfrm>
-                  <a:off x="10363755" y="948413"/>
-                  <a:ext cx="1083968" cy="785178"/>
-                </a:xfrm>
-                <a:prstGeom prst="rect">
-                  <a:avLst/>
-                </a:prstGeom>
-                <a:solidFill>
-                  <a:schemeClr val="bg1"/>
-                </a:solidFill>
-                <a:ln>
-                  <a:noFill/>
-                </a:ln>
-              </p:spPr>
-              <p:style>
-                <a:lnRef idx="2">
-                  <a:schemeClr val="accent1">
-                    <a:shade val="50000"/>
-                  </a:schemeClr>
-                </a:lnRef>
-                <a:fillRef idx="1">
-                  <a:schemeClr val="accent1"/>
-                </a:fillRef>
-                <a:effectRef idx="0">
-                  <a:schemeClr val="accent1"/>
-                </a:effectRef>
-                <a:fontRef idx="minor">
-                  <a:schemeClr val="lt1"/>
-                </a:fontRef>
-              </p:style>
-              <p:txBody>
-                <a:bodyPr rtlCol="0" anchor="ctr"/>
-                <a:lstStyle/>
-                <a:p>
-                  <a:pPr algn="ctr"/>
-                  <a:endParaRPr lang="ko-KR" altLang="en-US"/>
-                </a:p>
-              </p:txBody>
-            </p:sp>
-            <p:sp>
-              <p:nvSpPr>
-                <p:cNvPr id="58" name="TextBox 57">
-                  <a:extLst>
-                    <a:ext uri="{FF2B5EF4-FFF2-40B4-BE49-F238E27FC236}">
-                      <a16:creationId xmlns:a16="http://schemas.microsoft.com/office/drawing/2014/main" id="{B387D179-6647-4D3F-93D4-57475F432B01}"/>
-                    </a:ext>
-                  </a:extLst>
-                </p:cNvPr>
-                <p:cNvSpPr txBox="1"/>
-                <p:nvPr/>
-              </p:nvSpPr>
-              <p:spPr>
-                <a:xfrm>
-                  <a:off x="10251399" y="1710498"/>
+                  <a:off x="10254279" y="3962135"/>
                   <a:ext cx="1330848" cy="261610"/>
                 </a:xfrm>
                 <a:prstGeom prst="rect">
@@ -4900,23 +5054,7 @@
                       <a:ea typeface="Microsoft GothicNeo" panose="020B0500000101010101" pitchFamily="50" charset="-127"/>
                       <a:cs typeface="Microsoft GothicNeo" panose="020B0500000101010101" pitchFamily="50" charset="-127"/>
                     </a:rPr>
-                    <a:t>Back</a:t>
-                  </a:r>
-                  <a:r>
-                    <a:rPr lang="ko-KR" altLang="en-US" sz="1100" dirty="0">
-                      <a:latin typeface="Microsoft GothicNeo" panose="020B0500000101010101" pitchFamily="50" charset="-127"/>
-                      <a:ea typeface="Microsoft GothicNeo" panose="020B0500000101010101" pitchFamily="50" charset="-127"/>
-                      <a:cs typeface="Microsoft GothicNeo" panose="020B0500000101010101" pitchFamily="50" charset="-127"/>
-                    </a:rPr>
-                    <a:t> </a:t>
-                  </a:r>
-                  <a:r>
-                    <a:rPr lang="en-US" altLang="ko-KR" sz="1100" dirty="0">
-                      <a:latin typeface="Microsoft GothicNeo" panose="020B0500000101010101" pitchFamily="50" charset="-127"/>
-                      <a:ea typeface="Microsoft GothicNeo" panose="020B0500000101010101" pitchFamily="50" charset="-127"/>
-                      <a:cs typeface="Microsoft GothicNeo" panose="020B0500000101010101" pitchFamily="50" charset="-127"/>
-                    </a:rPr>
-                    <a:t>Office</a:t>
+                    <a:t>Vue.js</a:t>
                   </a:r>
                   <a:endParaRPr lang="ko-KR" altLang="en-US" sz="1100" dirty="0">
                     <a:latin typeface="Microsoft GothicNeo" panose="020B0500000101010101" pitchFamily="50" charset="-127"/>
@@ -4926,763 +5064,438 @@
                 </a:p>
               </p:txBody>
             </p:sp>
-            <p:pic>
-              <p:nvPicPr>
-                <p:cNvPr id="45" name="그림 44">
-                  <a:extLst>
-                    <a:ext uri="{FF2B5EF4-FFF2-40B4-BE49-F238E27FC236}">
-                      <a16:creationId xmlns:a16="http://schemas.microsoft.com/office/drawing/2014/main" id="{771F0CFD-A163-45A7-AB49-FA5417168251}"/>
-                    </a:ext>
-                  </a:extLst>
-                </p:cNvPr>
-                <p:cNvPicPr>
-                  <a:picLocks noChangeAspect="1"/>
-                </p:cNvPicPr>
-                <p:nvPr/>
-              </p:nvPicPr>
-              <p:blipFill>
-                <a:blip r:embed="rId11">
-                  <a:extLst>
-                    <a:ext uri="{28A0092B-C50C-407E-A947-70E740481C1C}">
-                      <a14:useLocalDpi xmlns:a14="http://schemas.microsoft.com/office/drawing/2010/main" val="0"/>
-                    </a:ext>
-                  </a:extLst>
-                </a:blip>
-                <a:stretch>
-                  <a:fillRect/>
-                </a:stretch>
-              </p:blipFill>
-              <p:spPr>
-                <a:xfrm>
-                  <a:off x="10513150" y="1002269"/>
-                  <a:ext cx="785178" cy="785178"/>
-                </a:xfrm>
-                <a:prstGeom prst="rect">
-                  <a:avLst/>
-                </a:prstGeom>
-              </p:spPr>
-            </p:pic>
-            <p:grpSp>
-              <p:nvGrpSpPr>
-                <p:cNvPr id="51" name="그룹 50">
-                  <a:extLst>
-                    <a:ext uri="{FF2B5EF4-FFF2-40B4-BE49-F238E27FC236}">
-                      <a16:creationId xmlns:a16="http://schemas.microsoft.com/office/drawing/2014/main" id="{B974C598-3BAA-49E4-B35B-02C303352314}"/>
-                    </a:ext>
-                  </a:extLst>
-                </p:cNvPr>
-                <p:cNvGrpSpPr/>
-                <p:nvPr/>
-              </p:nvGrpSpPr>
-              <p:grpSpPr>
-                <a:xfrm>
-                  <a:off x="10033524" y="2362834"/>
-                  <a:ext cx="1875710" cy="937316"/>
-                  <a:chOff x="10033524" y="2244303"/>
-                  <a:chExt cx="1875710" cy="937316"/>
-                </a:xfrm>
-              </p:grpSpPr>
-              <p:sp>
-                <p:nvSpPr>
-                  <p:cNvPr id="61" name="TextBox 60">
-                    <a:extLst>
-                      <a:ext uri="{FF2B5EF4-FFF2-40B4-BE49-F238E27FC236}">
-                        <a16:creationId xmlns:a16="http://schemas.microsoft.com/office/drawing/2014/main" id="{2EDFAC4F-DC7A-4ACB-857D-4500EF1C5C90}"/>
-                      </a:ext>
-                    </a:extLst>
-                  </p:cNvPr>
-                  <p:cNvSpPr txBox="1"/>
-                  <p:nvPr/>
-                </p:nvSpPr>
-                <p:spPr>
-                  <a:xfrm>
-                    <a:off x="10578386" y="2920009"/>
-                    <a:ext cx="1330848" cy="261610"/>
-                  </a:xfrm>
-                  <a:prstGeom prst="rect">
-                    <a:avLst/>
-                  </a:prstGeom>
-                  <a:noFill/>
-                </p:spPr>
-                <p:txBody>
-                  <a:bodyPr wrap="square" rtlCol="0">
-                    <a:spAutoFit/>
-                  </a:bodyPr>
-                  <a:lstStyle/>
-                  <a:p>
-                    <a:r>
-                      <a:rPr lang="en-US" altLang="ko-KR" sz="1100" dirty="0">
-                        <a:latin typeface="Microsoft GothicNeo" panose="020B0500000101010101" pitchFamily="50" charset="-127"/>
-                        <a:ea typeface="Microsoft GothicNeo" panose="020B0500000101010101" pitchFamily="50" charset="-127"/>
-                        <a:cs typeface="Microsoft GothicNeo" panose="020B0500000101010101" pitchFamily="50" charset="-127"/>
-                      </a:rPr>
-                      <a:t>Node.js</a:t>
-                    </a:r>
-                    <a:endParaRPr lang="ko-KR" altLang="en-US" sz="1100" dirty="0">
-                      <a:latin typeface="Microsoft GothicNeo" panose="020B0500000101010101" pitchFamily="50" charset="-127"/>
-                      <a:ea typeface="Microsoft GothicNeo" panose="020B0500000101010101" pitchFamily="50" charset="-127"/>
-                      <a:cs typeface="Microsoft GothicNeo" panose="020B0500000101010101" pitchFamily="50" charset="-127"/>
-                    </a:endParaRPr>
-                  </a:p>
-                </p:txBody>
-              </p:sp>
-              <p:pic>
-                <p:nvPicPr>
-                  <p:cNvPr id="62" name="Picture 12">
-                    <a:extLst>
-                      <a:ext uri="{FF2B5EF4-FFF2-40B4-BE49-F238E27FC236}">
-                        <a16:creationId xmlns:a16="http://schemas.microsoft.com/office/drawing/2014/main" id="{87387FC8-0E58-4ACB-A1C5-80C279ED98EC}"/>
-                      </a:ext>
-                    </a:extLst>
-                  </p:cNvPr>
-                  <p:cNvPicPr>
-                    <a:picLocks noChangeAspect="1" noChangeArrowheads="1"/>
-                  </p:cNvPicPr>
-                  <p:nvPr/>
-                </p:nvPicPr>
-                <p:blipFill>
-                  <a:blip r:embed="rId10">
-                    <a:extLst>
-                      <a:ext uri="{28A0092B-C50C-407E-A947-70E740481C1C}">
-                        <a14:useLocalDpi xmlns:a14="http://schemas.microsoft.com/office/drawing/2010/main" val="0"/>
-                      </a:ext>
-                    </a:extLst>
-                  </a:blip>
-                  <a:srcRect/>
-                  <a:stretch>
-                    <a:fillRect/>
-                  </a:stretch>
-                </p:blipFill>
-                <p:spPr bwMode="auto">
-                  <a:xfrm>
-                    <a:off x="10033524" y="2244303"/>
-                    <a:ext cx="1806225" cy="677334"/>
-                  </a:xfrm>
-                  <a:prstGeom prst="rect">
-                    <a:avLst/>
-                  </a:prstGeom>
-                  <a:noFill/>
-                  <a:extLst>
-                    <a:ext uri="{909E8E84-426E-40DD-AFC4-6F175D3DCCD1}">
-                      <a14:hiddenFill xmlns:a14="http://schemas.microsoft.com/office/drawing/2010/main">
-                        <a:solidFill>
-                          <a:srgbClr val="FFFFFF"/>
-                        </a:solidFill>
-                      </a14:hiddenFill>
-                    </a:ext>
-                  </a:extLst>
-                </p:spPr>
-              </p:pic>
-            </p:grpSp>
-            <p:grpSp>
-              <p:nvGrpSpPr>
-                <p:cNvPr id="46" name="그룹 45">
-                  <a:extLst>
-                    <a:ext uri="{FF2B5EF4-FFF2-40B4-BE49-F238E27FC236}">
-                      <a16:creationId xmlns:a16="http://schemas.microsoft.com/office/drawing/2014/main" id="{AD707913-132D-454C-8751-7B22A3B64B6D}"/>
-                    </a:ext>
-                  </a:extLst>
-                </p:cNvPr>
-                <p:cNvGrpSpPr/>
-                <p:nvPr/>
-              </p:nvGrpSpPr>
-              <p:grpSpPr>
-                <a:xfrm>
-                  <a:off x="10254279" y="3568343"/>
-                  <a:ext cx="1330848" cy="773933"/>
-                  <a:chOff x="10254279" y="3449812"/>
-                  <a:chExt cx="1330848" cy="773933"/>
-                </a:xfrm>
-              </p:grpSpPr>
-              <p:pic>
-                <p:nvPicPr>
-                  <p:cNvPr id="1038" name="Picture 14">
-                    <a:extLst>
-                      <a:ext uri="{FF2B5EF4-FFF2-40B4-BE49-F238E27FC236}">
-                        <a16:creationId xmlns:a16="http://schemas.microsoft.com/office/drawing/2014/main" id="{C5C62C4F-7A6B-43DF-B545-864A3ADAD7B7}"/>
-                      </a:ext>
-                    </a:extLst>
-                  </p:cNvPr>
-                  <p:cNvPicPr>
-                    <a:picLocks noChangeAspect="1" noChangeArrowheads="1"/>
-                  </p:cNvPicPr>
-                  <p:nvPr/>
-                </p:nvPicPr>
-                <p:blipFill>
-                  <a:blip r:embed="rId12">
-                    <a:extLst>
-                      <a:ext uri="{28A0092B-C50C-407E-A947-70E740481C1C}">
-                        <a14:useLocalDpi xmlns:a14="http://schemas.microsoft.com/office/drawing/2010/main" val="0"/>
-                      </a:ext>
-                    </a:extLst>
-                  </a:blip>
-                  <a:srcRect/>
-                  <a:stretch>
-                    <a:fillRect/>
-                  </a:stretch>
-                </p:blipFill>
-                <p:spPr bwMode="auto">
-                  <a:xfrm>
-                    <a:off x="10605699" y="3449812"/>
-                    <a:ext cx="622248" cy="539606"/>
-                  </a:xfrm>
-                  <a:prstGeom prst="rect">
-                    <a:avLst/>
-                  </a:prstGeom>
-                  <a:noFill/>
-                  <a:extLst>
-                    <a:ext uri="{909E8E84-426E-40DD-AFC4-6F175D3DCCD1}">
-                      <a14:hiddenFill xmlns:a14="http://schemas.microsoft.com/office/drawing/2010/main">
-                        <a:solidFill>
-                          <a:srgbClr val="FFFFFF"/>
-                        </a:solidFill>
-                      </a14:hiddenFill>
-                    </a:ext>
-                  </a:extLst>
-                </p:spPr>
-              </p:pic>
-              <p:sp>
-                <p:nvSpPr>
-                  <p:cNvPr id="64" name="TextBox 63">
-                    <a:extLst>
-                      <a:ext uri="{FF2B5EF4-FFF2-40B4-BE49-F238E27FC236}">
-                        <a16:creationId xmlns:a16="http://schemas.microsoft.com/office/drawing/2014/main" id="{926182D0-C0AF-4813-B148-56A6B093D6D1}"/>
-                      </a:ext>
-                    </a:extLst>
-                  </p:cNvPr>
-                  <p:cNvSpPr txBox="1"/>
-                  <p:nvPr/>
-                </p:nvSpPr>
-                <p:spPr>
-                  <a:xfrm>
-                    <a:off x="10254279" y="3962135"/>
-                    <a:ext cx="1330848" cy="261610"/>
-                  </a:xfrm>
-                  <a:prstGeom prst="rect">
-                    <a:avLst/>
-                  </a:prstGeom>
-                  <a:noFill/>
-                </p:spPr>
-                <p:txBody>
-                  <a:bodyPr wrap="square" rtlCol="0">
-                    <a:spAutoFit/>
-                  </a:bodyPr>
-                  <a:lstStyle/>
-                  <a:p>
-                    <a:pPr algn="ctr"/>
-                    <a:r>
-                      <a:rPr lang="en-US" altLang="ko-KR" sz="1100" dirty="0">
-                        <a:latin typeface="Microsoft GothicNeo" panose="020B0500000101010101" pitchFamily="50" charset="-127"/>
-                        <a:ea typeface="Microsoft GothicNeo" panose="020B0500000101010101" pitchFamily="50" charset="-127"/>
-                        <a:cs typeface="Microsoft GothicNeo" panose="020B0500000101010101" pitchFamily="50" charset="-127"/>
-                      </a:rPr>
-                      <a:t>Vue.js</a:t>
-                    </a:r>
-                    <a:endParaRPr lang="ko-KR" altLang="en-US" sz="1100" dirty="0">
-                      <a:latin typeface="Microsoft GothicNeo" panose="020B0500000101010101" pitchFamily="50" charset="-127"/>
-                      <a:ea typeface="Microsoft GothicNeo" panose="020B0500000101010101" pitchFamily="50" charset="-127"/>
-                      <a:cs typeface="Microsoft GothicNeo" panose="020B0500000101010101" pitchFamily="50" charset="-127"/>
-                    </a:endParaRPr>
-                  </a:p>
-                </p:txBody>
-              </p:sp>
-            </p:grpSp>
           </p:grpSp>
-          <p:pic>
-            <p:nvPicPr>
-              <p:cNvPr id="66" name="그림 65">
-                <a:extLst>
-                  <a:ext uri="{FF2B5EF4-FFF2-40B4-BE49-F238E27FC236}">
-                    <a16:creationId xmlns:a16="http://schemas.microsoft.com/office/drawing/2014/main" id="{24E75FB0-68A7-4EAE-BD83-9F24D2AD5952}"/>
-                  </a:ext>
-                </a:extLst>
-              </p:cNvPr>
-              <p:cNvPicPr>
-                <a:picLocks noChangeAspect="1"/>
-              </p:cNvPicPr>
-              <p:nvPr/>
-            </p:nvPicPr>
-            <p:blipFill rotWithShape="1">
-              <a:blip r:embed="rId13"/>
-              <a:srcRect t="5238" r="16096" b="4669"/>
-              <a:stretch/>
-            </p:blipFill>
-            <p:spPr>
-              <a:xfrm>
-                <a:off x="1479918" y="3453876"/>
-                <a:ext cx="680459" cy="567421"/>
-              </a:xfrm>
-              <a:prstGeom prst="rect">
-                <a:avLst/>
-              </a:prstGeom>
-            </p:spPr>
-          </p:pic>
-          <p:sp>
-            <p:nvSpPr>
-              <p:cNvPr id="73" name="TextBox 72">
-                <a:extLst>
-                  <a:ext uri="{FF2B5EF4-FFF2-40B4-BE49-F238E27FC236}">
-                    <a16:creationId xmlns:a16="http://schemas.microsoft.com/office/drawing/2014/main" id="{803C5AC4-25A9-411C-A292-54D3CA3190E8}"/>
-                  </a:ext>
-                </a:extLst>
-              </p:cNvPr>
-              <p:cNvSpPr txBox="1"/>
-              <p:nvPr/>
-            </p:nvSpPr>
-            <p:spPr>
-              <a:xfrm>
-                <a:off x="1493982" y="3918245"/>
-                <a:ext cx="628295" cy="261610"/>
-              </a:xfrm>
-              <a:prstGeom prst="rect">
-                <a:avLst/>
-              </a:prstGeom>
-              <a:noFill/>
-            </p:spPr>
-            <p:txBody>
-              <a:bodyPr wrap="square" rtlCol="0">
-                <a:spAutoFit/>
-              </a:bodyPr>
-              <a:lstStyle/>
-              <a:p>
-                <a:pPr algn="ctr"/>
-                <a:r>
-                  <a:rPr lang="en-US" altLang="ko-KR" sz="1100" dirty="0" err="1">
-                    <a:latin typeface="Microsoft GothicNeo" panose="020B0500000101010101" pitchFamily="50" charset="-127"/>
-                    <a:ea typeface="Microsoft GothicNeo" panose="020B0500000101010101" pitchFamily="50" charset="-127"/>
-                    <a:cs typeface="Microsoft GothicNeo" panose="020B0500000101010101" pitchFamily="50" charset="-127"/>
-                  </a:rPr>
-                  <a:t>Zeplin</a:t>
-                </a:r>
-                <a:endParaRPr lang="ko-KR" altLang="en-US" sz="1100" dirty="0">
+        </p:grpSp>
+        <p:sp>
+          <p:nvSpPr>
+            <p:cNvPr id="73" name="TextBox 72">
+              <a:extLst>
+                <a:ext uri="{FF2B5EF4-FFF2-40B4-BE49-F238E27FC236}">
+                  <a16:creationId xmlns:a16="http://schemas.microsoft.com/office/drawing/2014/main" id="{803C5AC4-25A9-411C-A292-54D3CA3190E8}"/>
+                </a:ext>
+              </a:extLst>
+            </p:cNvPr>
+            <p:cNvSpPr txBox="1"/>
+            <p:nvPr/>
+          </p:nvSpPr>
+          <p:spPr>
+            <a:xfrm>
+              <a:off x="1493982" y="3918245"/>
+              <a:ext cx="628295" cy="261610"/>
+            </a:xfrm>
+            <a:prstGeom prst="rect">
+              <a:avLst/>
+            </a:prstGeom>
+            <a:noFill/>
+          </p:spPr>
+          <p:txBody>
+            <a:bodyPr wrap="square" rtlCol="0">
+              <a:spAutoFit/>
+            </a:bodyPr>
+            <a:lstStyle/>
+            <a:p>
+              <a:pPr algn="ctr"/>
+              <a:r>
+                <a:rPr lang="en-US" altLang="ko-KR" sz="1100" dirty="0">
                   <a:latin typeface="Microsoft GothicNeo" panose="020B0500000101010101" pitchFamily="50" charset="-127"/>
                   <a:ea typeface="Microsoft GothicNeo" panose="020B0500000101010101" pitchFamily="50" charset="-127"/>
                   <a:cs typeface="Microsoft GothicNeo" panose="020B0500000101010101" pitchFamily="50" charset="-127"/>
-                </a:endParaRPr>
-              </a:p>
-            </p:txBody>
-          </p:sp>
-          <p:pic>
-            <p:nvPicPr>
-              <p:cNvPr id="75" name="그림 74">
-                <a:extLst>
-                  <a:ext uri="{FF2B5EF4-FFF2-40B4-BE49-F238E27FC236}">
-                    <a16:creationId xmlns:a16="http://schemas.microsoft.com/office/drawing/2014/main" id="{75120392-87B1-4E4D-A169-08E3836BCCCF}"/>
-                  </a:ext>
-                </a:extLst>
-              </p:cNvPr>
-              <p:cNvPicPr>
-                <a:picLocks noChangeAspect="1"/>
-              </p:cNvPicPr>
-              <p:nvPr/>
-            </p:nvPicPr>
-            <p:blipFill rotWithShape="1">
-              <a:blip r:embed="rId14">
-                <a:extLst>
-                  <a:ext uri="{28A0092B-C50C-407E-A947-70E740481C1C}">
-                    <a14:useLocalDpi xmlns:a14="http://schemas.microsoft.com/office/drawing/2010/main" val="0"/>
-                  </a:ext>
-                </a:extLst>
-              </a:blip>
-              <a:srcRect l="36227" t="19697" r="50000" b="66431"/>
-              <a:stretch/>
-            </p:blipFill>
-            <p:spPr>
-              <a:xfrm rot="16200000">
-                <a:off x="2536253" y="3169220"/>
-                <a:ext cx="917016" cy="1481602"/>
-              </a:xfrm>
-              <a:prstGeom prst="rect">
-                <a:avLst/>
-              </a:prstGeom>
-            </p:spPr>
-          </p:pic>
-          <p:pic>
-            <p:nvPicPr>
-              <p:cNvPr id="76" name="그림 75">
-                <a:extLst>
-                  <a:ext uri="{FF2B5EF4-FFF2-40B4-BE49-F238E27FC236}">
-                    <a16:creationId xmlns:a16="http://schemas.microsoft.com/office/drawing/2014/main" id="{FB1C6B4F-95B3-4352-BE31-F01FB1629848}"/>
-                  </a:ext>
-                </a:extLst>
-              </p:cNvPr>
-              <p:cNvPicPr>
-                <a:picLocks noChangeAspect="1"/>
-              </p:cNvPicPr>
-              <p:nvPr/>
-            </p:nvPicPr>
-            <p:blipFill rotWithShape="1">
-              <a:blip r:embed="rId14">
-                <a:extLst>
-                  <a:ext uri="{28A0092B-C50C-407E-A947-70E740481C1C}">
-                    <a14:useLocalDpi xmlns:a14="http://schemas.microsoft.com/office/drawing/2010/main" val="0"/>
-                  </a:ext>
-                </a:extLst>
-              </a:blip>
-              <a:srcRect l="19375" t="41382" r="34174" b="-5624"/>
-              <a:stretch/>
-            </p:blipFill>
-            <p:spPr>
-              <a:xfrm rot="16200000">
-                <a:off x="6856504" y="424164"/>
-                <a:ext cx="3229602" cy="7165212"/>
-              </a:xfrm>
-              <a:prstGeom prst="rect">
-                <a:avLst/>
-              </a:prstGeom>
-            </p:spPr>
-          </p:pic>
-          <p:sp>
-            <p:nvSpPr>
-              <p:cNvPr id="67" name="TextBox 66">
-                <a:extLst>
-                  <a:ext uri="{FF2B5EF4-FFF2-40B4-BE49-F238E27FC236}">
-                    <a16:creationId xmlns:a16="http://schemas.microsoft.com/office/drawing/2014/main" id="{7246F91E-6ECC-4C3B-8ED5-CC8C40422B2F}"/>
-                  </a:ext>
-                </a:extLst>
-              </p:cNvPr>
-              <p:cNvSpPr txBox="1"/>
-              <p:nvPr/>
-            </p:nvSpPr>
-            <p:spPr>
-              <a:xfrm rot="1584058">
-                <a:off x="2623433" y="3657017"/>
-                <a:ext cx="1233555" cy="230832"/>
-              </a:xfrm>
-              <a:prstGeom prst="rect">
-                <a:avLst/>
-              </a:prstGeom>
-              <a:noFill/>
-            </p:spPr>
-            <p:txBody>
-              <a:bodyPr wrap="square" rtlCol="0">
-                <a:spAutoFit/>
-              </a:bodyPr>
-              <a:lstStyle/>
-              <a:p>
-                <a:r>
-                  <a:rPr lang="en-US" altLang="ko-KR" sz="900" dirty="0"/>
-                  <a:t>Http Response</a:t>
-                </a:r>
-                <a:endParaRPr lang="ko-KR" altLang="en-US" sz="900" dirty="0"/>
-              </a:p>
-            </p:txBody>
-          </p:sp>
-          <p:sp>
-            <p:nvSpPr>
-              <p:cNvPr id="78" name="TextBox 77">
-                <a:extLst>
-                  <a:ext uri="{FF2B5EF4-FFF2-40B4-BE49-F238E27FC236}">
-                    <a16:creationId xmlns:a16="http://schemas.microsoft.com/office/drawing/2014/main" id="{367D6E21-1E23-4715-B3A7-7F36EC002AD7}"/>
-                  </a:ext>
-                </a:extLst>
-              </p:cNvPr>
-              <p:cNvSpPr txBox="1"/>
-              <p:nvPr/>
-            </p:nvSpPr>
-            <p:spPr>
-              <a:xfrm>
-                <a:off x="11331017" y="4110675"/>
-                <a:ext cx="1233555" cy="230832"/>
-              </a:xfrm>
-              <a:prstGeom prst="rect">
-                <a:avLst/>
-              </a:prstGeom>
-              <a:noFill/>
-            </p:spPr>
-            <p:txBody>
-              <a:bodyPr wrap="square" rtlCol="0">
-                <a:spAutoFit/>
-              </a:bodyPr>
-              <a:lstStyle/>
-              <a:p>
-                <a:r>
-                  <a:rPr lang="en-US" altLang="ko-KR" sz="900" dirty="0"/>
-                  <a:t>Http Request</a:t>
-                </a:r>
-                <a:endParaRPr lang="ko-KR" altLang="en-US" sz="1050" dirty="0"/>
-              </a:p>
-            </p:txBody>
-          </p:sp>
-          <p:sp>
-            <p:nvSpPr>
-              <p:cNvPr id="56" name="TextBox 55">
-                <a:extLst>
-                  <a:ext uri="{FF2B5EF4-FFF2-40B4-BE49-F238E27FC236}">
-                    <a16:creationId xmlns:a16="http://schemas.microsoft.com/office/drawing/2014/main" id="{188F1141-7AF2-4F1E-B870-69C9380CB435}"/>
-                  </a:ext>
-                </a:extLst>
-              </p:cNvPr>
-              <p:cNvSpPr txBox="1"/>
-              <p:nvPr/>
-            </p:nvSpPr>
-            <p:spPr>
-              <a:xfrm rot="19047336">
-                <a:off x="5748531" y="3905881"/>
-                <a:ext cx="1338786" cy="230832"/>
-              </a:xfrm>
-              <a:prstGeom prst="rect">
-                <a:avLst/>
-              </a:prstGeom>
-              <a:noFill/>
-            </p:spPr>
-            <p:txBody>
-              <a:bodyPr wrap="square" rtlCol="0">
-                <a:spAutoFit/>
-              </a:bodyPr>
-              <a:lstStyle/>
-              <a:p>
-                <a:r>
-                  <a:rPr lang="ko-KR" altLang="en-US" sz="900" dirty="0"/>
-                  <a:t>검색결과 </a:t>
-                </a:r>
-                <a:r>
-                  <a:rPr lang="en-US" altLang="ko-KR" sz="900" dirty="0"/>
-                  <a:t>API </a:t>
-                </a:r>
-                <a:r>
-                  <a:rPr lang="ko-KR" altLang="en-US" sz="900" dirty="0"/>
-                  <a:t>조회</a:t>
-                </a:r>
-              </a:p>
-            </p:txBody>
-          </p:sp>
-          <p:sp>
-            <p:nvSpPr>
-              <p:cNvPr id="57" name="TextBox 56">
-                <a:extLst>
-                  <a:ext uri="{FF2B5EF4-FFF2-40B4-BE49-F238E27FC236}">
-                    <a16:creationId xmlns:a16="http://schemas.microsoft.com/office/drawing/2014/main" id="{07243A38-E2FE-42BD-9CC7-68CBA68AF75A}"/>
-                  </a:ext>
-                </a:extLst>
-              </p:cNvPr>
-              <p:cNvSpPr txBox="1"/>
-              <p:nvPr/>
-            </p:nvSpPr>
-            <p:spPr>
-              <a:xfrm rot="21327495">
-                <a:off x="6896147" y="4603472"/>
-                <a:ext cx="1338786" cy="230832"/>
-              </a:xfrm>
-              <a:prstGeom prst="rect">
-                <a:avLst/>
-              </a:prstGeom>
-              <a:noFill/>
-            </p:spPr>
-            <p:txBody>
-              <a:bodyPr wrap="square" rtlCol="0">
-                <a:spAutoFit/>
-              </a:bodyPr>
-              <a:lstStyle/>
-              <a:p>
-                <a:r>
-                  <a:rPr lang="en-US" altLang="ko-KR" sz="900" dirty="0"/>
-                  <a:t>DB </a:t>
-                </a:r>
-                <a:r>
-                  <a:rPr lang="ko-KR" altLang="en-US" sz="900" dirty="0"/>
-                  <a:t>수집 </a:t>
-                </a:r>
-              </a:p>
-            </p:txBody>
-          </p:sp>
-          <p:sp>
-            <p:nvSpPr>
-              <p:cNvPr id="59" name="TextBox 58">
-                <a:extLst>
-                  <a:ext uri="{FF2B5EF4-FFF2-40B4-BE49-F238E27FC236}">
-                    <a16:creationId xmlns:a16="http://schemas.microsoft.com/office/drawing/2014/main" id="{9BED50E8-FFAF-4068-85B4-098529320FE9}"/>
-                  </a:ext>
-                </a:extLst>
-              </p:cNvPr>
-              <p:cNvSpPr txBox="1"/>
-              <p:nvPr/>
-            </p:nvSpPr>
-            <p:spPr>
-              <a:xfrm rot="21327495">
-                <a:off x="7939457" y="3165940"/>
-                <a:ext cx="1338786" cy="230832"/>
-              </a:xfrm>
-              <a:prstGeom prst="rect">
-                <a:avLst/>
-              </a:prstGeom>
-              <a:noFill/>
-            </p:spPr>
-            <p:txBody>
-              <a:bodyPr wrap="square" rtlCol="0">
-                <a:spAutoFit/>
-              </a:bodyPr>
-              <a:lstStyle/>
-              <a:p>
-                <a:r>
-                  <a:rPr lang="ko-KR" altLang="en-US" sz="900" dirty="0"/>
-                  <a:t>수집 데이터 색인</a:t>
-                </a:r>
-              </a:p>
-            </p:txBody>
-          </p:sp>
-          <p:sp>
-            <p:nvSpPr>
-              <p:cNvPr id="65" name="TextBox 64">
-                <a:extLst>
-                  <a:ext uri="{FF2B5EF4-FFF2-40B4-BE49-F238E27FC236}">
-                    <a16:creationId xmlns:a16="http://schemas.microsoft.com/office/drawing/2014/main" id="{A608C930-37AF-4AC7-94BF-6FE3EFBEC237}"/>
-                  </a:ext>
-                </a:extLst>
-              </p:cNvPr>
-              <p:cNvSpPr txBox="1"/>
-              <p:nvPr/>
-            </p:nvSpPr>
-            <p:spPr>
-              <a:xfrm rot="19823516">
-                <a:off x="8135717" y="4439764"/>
-                <a:ext cx="1164754" cy="230832"/>
-              </a:xfrm>
-              <a:prstGeom prst="rect">
-                <a:avLst/>
-              </a:prstGeom>
-              <a:noFill/>
-            </p:spPr>
-            <p:txBody>
-              <a:bodyPr wrap="square" rtlCol="0">
-                <a:spAutoFit/>
-              </a:bodyPr>
-              <a:lstStyle/>
-              <a:p>
-                <a:pPr algn="ctr"/>
-                <a:r>
-                  <a:rPr lang="en-US" altLang="ko-KR" sz="900" dirty="0"/>
-                  <a:t>Data </a:t>
-                </a:r>
-                <a:r>
-                  <a:rPr lang="ko-KR" altLang="en-US" sz="900" dirty="0"/>
-                  <a:t>업데이트</a:t>
-                </a:r>
-              </a:p>
-            </p:txBody>
-          </p:sp>
-          <p:sp>
-            <p:nvSpPr>
-              <p:cNvPr id="68" name="TextBox 67">
-                <a:extLst>
-                  <a:ext uri="{FF2B5EF4-FFF2-40B4-BE49-F238E27FC236}">
-                    <a16:creationId xmlns:a16="http://schemas.microsoft.com/office/drawing/2014/main" id="{E3DAB8B3-C68F-4CB7-8CD9-393C426B40F6}"/>
-                  </a:ext>
-                </a:extLst>
-              </p:cNvPr>
-              <p:cNvSpPr txBox="1"/>
-              <p:nvPr/>
-            </p:nvSpPr>
-            <p:spPr>
-              <a:xfrm>
-                <a:off x="10046918" y="1522979"/>
-                <a:ext cx="1739809" cy="307777"/>
-              </a:xfrm>
-              <a:prstGeom prst="rect">
-                <a:avLst/>
-              </a:prstGeom>
-              <a:noFill/>
-            </p:spPr>
-            <p:txBody>
-              <a:bodyPr wrap="square" rtlCol="0">
-                <a:spAutoFit/>
-              </a:bodyPr>
-              <a:lstStyle/>
-              <a:p>
-                <a:pPr algn="ctr"/>
-                <a:r>
-                  <a:rPr lang="en-US" altLang="ko-KR" sz="700" dirty="0"/>
-                  <a:t>Content </a:t>
-                </a:r>
-                <a:r>
-                  <a:rPr lang="ko-KR" altLang="en-US" sz="700" dirty="0"/>
-                  <a:t>업데이트용 </a:t>
-                </a:r>
-                <a:endParaRPr lang="en-US" altLang="ko-KR" sz="700" dirty="0"/>
-              </a:p>
-              <a:p>
-                <a:pPr algn="ctr"/>
-                <a:r>
-                  <a:rPr lang="ko-KR" altLang="en-US" sz="700" dirty="0"/>
-                  <a:t>관리자 페이지</a:t>
-                </a:r>
-              </a:p>
-            </p:txBody>
-          </p:sp>
-          <p:sp>
-            <p:nvSpPr>
-              <p:cNvPr id="71" name="TextBox 70">
-                <a:extLst>
-                  <a:ext uri="{FF2B5EF4-FFF2-40B4-BE49-F238E27FC236}">
-                    <a16:creationId xmlns:a16="http://schemas.microsoft.com/office/drawing/2014/main" id="{FC5783BD-BE64-4E90-A6BD-1EF3DDFC32BC}"/>
-                  </a:ext>
-                </a:extLst>
-              </p:cNvPr>
-              <p:cNvSpPr txBox="1"/>
-              <p:nvPr/>
-            </p:nvSpPr>
-            <p:spPr>
-              <a:xfrm>
-                <a:off x="4490696" y="2513085"/>
-                <a:ext cx="1164754" cy="230832"/>
-              </a:xfrm>
-              <a:prstGeom prst="rect">
-                <a:avLst/>
-              </a:prstGeom>
-              <a:noFill/>
-            </p:spPr>
-            <p:txBody>
-              <a:bodyPr wrap="square" rtlCol="0">
-                <a:spAutoFit/>
-              </a:bodyPr>
-              <a:lstStyle/>
-              <a:p>
-                <a:pPr algn="ctr"/>
-                <a:r>
-                  <a:rPr lang="en-US" altLang="ko-KR" sz="900" dirty="0"/>
-                  <a:t>CI Tool</a:t>
-                </a:r>
-                <a:endParaRPr lang="ko-KR" altLang="en-US" sz="900" dirty="0"/>
-              </a:p>
-            </p:txBody>
-          </p:sp>
-          <p:pic>
-            <p:nvPicPr>
-              <p:cNvPr id="72" name="그림 71">
-                <a:extLst>
-                  <a:ext uri="{FF2B5EF4-FFF2-40B4-BE49-F238E27FC236}">
-                    <a16:creationId xmlns:a16="http://schemas.microsoft.com/office/drawing/2014/main" id="{9EEF9A96-EB09-463C-A6F5-005008E7925F}"/>
-                  </a:ext>
-                </a:extLst>
-              </p:cNvPr>
-              <p:cNvPicPr>
-                <a:picLocks noChangeAspect="1"/>
-              </p:cNvPicPr>
-              <p:nvPr/>
-            </p:nvPicPr>
-            <p:blipFill>
-              <a:blip r:embed="rId15">
-                <a:extLst>
-                  <a:ext uri="{28A0092B-C50C-407E-A947-70E740481C1C}">
-                    <a14:useLocalDpi xmlns:a14="http://schemas.microsoft.com/office/drawing/2010/main" val="0"/>
-                  </a:ext>
-                </a:extLst>
-              </a:blip>
-              <a:stretch>
-                <a:fillRect/>
-              </a:stretch>
-            </p:blipFill>
-            <p:spPr>
-              <a:xfrm>
-                <a:off x="4751882" y="2719319"/>
-                <a:ext cx="629741" cy="1025676"/>
-              </a:xfrm>
-              <a:prstGeom prst="rect">
-                <a:avLst/>
-              </a:prstGeom>
-            </p:spPr>
-          </p:pic>
-        </p:grpSp>
+                </a:rPr>
+                <a:t>Figma</a:t>
+              </a:r>
+              <a:endParaRPr lang="ko-KR" altLang="en-US" sz="1100" dirty="0">
+                <a:latin typeface="Microsoft GothicNeo" panose="020B0500000101010101" pitchFamily="50" charset="-127"/>
+                <a:ea typeface="Microsoft GothicNeo" panose="020B0500000101010101" pitchFamily="50" charset="-127"/>
+                <a:cs typeface="Microsoft GothicNeo" panose="020B0500000101010101" pitchFamily="50" charset="-127"/>
+              </a:endParaRPr>
+            </a:p>
+          </p:txBody>
+        </p:sp>
+        <p:pic>
+          <p:nvPicPr>
+            <p:cNvPr id="75" name="그림 74">
+              <a:extLst>
+                <a:ext uri="{FF2B5EF4-FFF2-40B4-BE49-F238E27FC236}">
+                  <a16:creationId xmlns:a16="http://schemas.microsoft.com/office/drawing/2014/main" id="{75120392-87B1-4E4D-A169-08E3836BCCCF}"/>
+                </a:ext>
+              </a:extLst>
+            </p:cNvPr>
+            <p:cNvPicPr>
+              <a:picLocks noChangeAspect="1"/>
+            </p:cNvPicPr>
+            <p:nvPr/>
+          </p:nvPicPr>
+          <p:blipFill rotWithShape="1">
+            <a:blip r:embed="rId2">
+              <a:extLst>
+                <a:ext uri="{28A0092B-C50C-407E-A947-70E740481C1C}">
+                  <a14:useLocalDpi xmlns:a14="http://schemas.microsoft.com/office/drawing/2010/main" val="0"/>
+                </a:ext>
+              </a:extLst>
+            </a:blip>
+            <a:srcRect l="36227" t="19697" r="50000" b="66431"/>
+            <a:stretch/>
+          </p:blipFill>
+          <p:spPr>
+            <a:xfrm rot="16200000">
+              <a:off x="2536253" y="3169220"/>
+              <a:ext cx="917016" cy="1481602"/>
+            </a:xfrm>
+            <a:prstGeom prst="rect">
+              <a:avLst/>
+            </a:prstGeom>
+          </p:spPr>
+        </p:pic>
+        <p:sp>
+          <p:nvSpPr>
+            <p:cNvPr id="67" name="TextBox 66">
+              <a:extLst>
+                <a:ext uri="{FF2B5EF4-FFF2-40B4-BE49-F238E27FC236}">
+                  <a16:creationId xmlns:a16="http://schemas.microsoft.com/office/drawing/2014/main" id="{7246F91E-6ECC-4C3B-8ED5-CC8C40422B2F}"/>
+                </a:ext>
+              </a:extLst>
+            </p:cNvPr>
+            <p:cNvSpPr txBox="1"/>
+            <p:nvPr/>
+          </p:nvSpPr>
+          <p:spPr>
+            <a:xfrm rot="1584058">
+              <a:off x="2623433" y="3657017"/>
+              <a:ext cx="1233555" cy="230832"/>
+            </a:xfrm>
+            <a:prstGeom prst="rect">
+              <a:avLst/>
+            </a:prstGeom>
+            <a:noFill/>
+          </p:spPr>
+          <p:txBody>
+            <a:bodyPr wrap="square" rtlCol="0">
+              <a:spAutoFit/>
+            </a:bodyPr>
+            <a:lstStyle/>
+            <a:p>
+              <a:r>
+                <a:rPr lang="en-US" altLang="ko-KR" sz="900" dirty="0"/>
+                <a:t>Http Response</a:t>
+              </a:r>
+              <a:endParaRPr lang="ko-KR" altLang="en-US" sz="900" dirty="0"/>
+            </a:p>
+          </p:txBody>
+        </p:sp>
+        <p:sp>
+          <p:nvSpPr>
+            <p:cNvPr id="78" name="TextBox 77">
+              <a:extLst>
+                <a:ext uri="{FF2B5EF4-FFF2-40B4-BE49-F238E27FC236}">
+                  <a16:creationId xmlns:a16="http://schemas.microsoft.com/office/drawing/2014/main" id="{367D6E21-1E23-4715-B3A7-7F36EC002AD7}"/>
+                </a:ext>
+              </a:extLst>
+            </p:cNvPr>
+            <p:cNvSpPr txBox="1"/>
+            <p:nvPr/>
+          </p:nvSpPr>
+          <p:spPr>
+            <a:xfrm>
+              <a:off x="11331017" y="4110675"/>
+              <a:ext cx="1233555" cy="230832"/>
+            </a:xfrm>
+            <a:prstGeom prst="rect">
+              <a:avLst/>
+            </a:prstGeom>
+            <a:noFill/>
+          </p:spPr>
+          <p:txBody>
+            <a:bodyPr wrap="square" rtlCol="0">
+              <a:spAutoFit/>
+            </a:bodyPr>
+            <a:lstStyle/>
+            <a:p>
+              <a:r>
+                <a:rPr lang="en-US" altLang="ko-KR" sz="900" dirty="0"/>
+                <a:t>Http Request</a:t>
+              </a:r>
+              <a:endParaRPr lang="ko-KR" altLang="en-US" sz="1050" dirty="0"/>
+            </a:p>
+          </p:txBody>
+        </p:sp>
+        <p:sp>
+          <p:nvSpPr>
+            <p:cNvPr id="56" name="TextBox 55">
+              <a:extLst>
+                <a:ext uri="{FF2B5EF4-FFF2-40B4-BE49-F238E27FC236}">
+                  <a16:creationId xmlns:a16="http://schemas.microsoft.com/office/drawing/2014/main" id="{188F1141-7AF2-4F1E-B870-69C9380CB435}"/>
+                </a:ext>
+              </a:extLst>
+            </p:cNvPr>
+            <p:cNvSpPr txBox="1"/>
+            <p:nvPr/>
+          </p:nvSpPr>
+          <p:spPr>
+            <a:xfrm rot="19047336">
+              <a:off x="5748531" y="3905881"/>
+              <a:ext cx="1338786" cy="230832"/>
+            </a:xfrm>
+            <a:prstGeom prst="rect">
+              <a:avLst/>
+            </a:prstGeom>
+            <a:noFill/>
+          </p:spPr>
+          <p:txBody>
+            <a:bodyPr wrap="square" rtlCol="0">
+              <a:spAutoFit/>
+            </a:bodyPr>
+            <a:lstStyle/>
+            <a:p>
+              <a:r>
+                <a:rPr lang="ko-KR" altLang="en-US" sz="900" dirty="0"/>
+                <a:t>검색결과 </a:t>
+              </a:r>
+              <a:r>
+                <a:rPr lang="en-US" altLang="ko-KR" sz="900" dirty="0"/>
+                <a:t>API </a:t>
+              </a:r>
+              <a:r>
+                <a:rPr lang="ko-KR" altLang="en-US" sz="900" dirty="0"/>
+                <a:t>조회</a:t>
+              </a:r>
+            </a:p>
+          </p:txBody>
+        </p:sp>
+        <p:sp>
+          <p:nvSpPr>
+            <p:cNvPr id="57" name="TextBox 56">
+              <a:extLst>
+                <a:ext uri="{FF2B5EF4-FFF2-40B4-BE49-F238E27FC236}">
+                  <a16:creationId xmlns:a16="http://schemas.microsoft.com/office/drawing/2014/main" id="{07243A38-E2FE-42BD-9CC7-68CBA68AF75A}"/>
+                </a:ext>
+              </a:extLst>
+            </p:cNvPr>
+            <p:cNvSpPr txBox="1"/>
+            <p:nvPr/>
+          </p:nvSpPr>
+          <p:spPr>
+            <a:xfrm rot="21327495">
+              <a:off x="6896147" y="4603472"/>
+              <a:ext cx="1338786" cy="230832"/>
+            </a:xfrm>
+            <a:prstGeom prst="rect">
+              <a:avLst/>
+            </a:prstGeom>
+            <a:noFill/>
+          </p:spPr>
+          <p:txBody>
+            <a:bodyPr wrap="square" rtlCol="0">
+              <a:spAutoFit/>
+            </a:bodyPr>
+            <a:lstStyle/>
+            <a:p>
+              <a:r>
+                <a:rPr lang="en-US" altLang="ko-KR" sz="900" dirty="0"/>
+                <a:t>DB </a:t>
+              </a:r>
+              <a:r>
+                <a:rPr lang="ko-KR" altLang="en-US" sz="900" dirty="0"/>
+                <a:t>수집 </a:t>
+              </a:r>
+            </a:p>
+          </p:txBody>
+        </p:sp>
+        <p:sp>
+          <p:nvSpPr>
+            <p:cNvPr id="59" name="TextBox 58">
+              <a:extLst>
+                <a:ext uri="{FF2B5EF4-FFF2-40B4-BE49-F238E27FC236}">
+                  <a16:creationId xmlns:a16="http://schemas.microsoft.com/office/drawing/2014/main" id="{9BED50E8-FFAF-4068-85B4-098529320FE9}"/>
+                </a:ext>
+              </a:extLst>
+            </p:cNvPr>
+            <p:cNvSpPr txBox="1"/>
+            <p:nvPr/>
+          </p:nvSpPr>
+          <p:spPr>
+            <a:xfrm rot="21327495">
+              <a:off x="7939457" y="3165940"/>
+              <a:ext cx="1338786" cy="230832"/>
+            </a:xfrm>
+            <a:prstGeom prst="rect">
+              <a:avLst/>
+            </a:prstGeom>
+            <a:noFill/>
+          </p:spPr>
+          <p:txBody>
+            <a:bodyPr wrap="square" rtlCol="0">
+              <a:spAutoFit/>
+            </a:bodyPr>
+            <a:lstStyle/>
+            <a:p>
+              <a:r>
+                <a:rPr lang="ko-KR" altLang="en-US" sz="900" dirty="0"/>
+                <a:t>수집 데이터 색인</a:t>
+              </a:r>
+            </a:p>
+          </p:txBody>
+        </p:sp>
+        <p:sp>
+          <p:nvSpPr>
+            <p:cNvPr id="65" name="TextBox 64">
+              <a:extLst>
+                <a:ext uri="{FF2B5EF4-FFF2-40B4-BE49-F238E27FC236}">
+                  <a16:creationId xmlns:a16="http://schemas.microsoft.com/office/drawing/2014/main" id="{A608C930-37AF-4AC7-94BF-6FE3EFBEC237}"/>
+                </a:ext>
+              </a:extLst>
+            </p:cNvPr>
+            <p:cNvSpPr txBox="1"/>
+            <p:nvPr/>
+          </p:nvSpPr>
+          <p:spPr>
+            <a:xfrm rot="19823516">
+              <a:off x="8135717" y="4439764"/>
+              <a:ext cx="1164754" cy="230832"/>
+            </a:xfrm>
+            <a:prstGeom prst="rect">
+              <a:avLst/>
+            </a:prstGeom>
+            <a:noFill/>
+          </p:spPr>
+          <p:txBody>
+            <a:bodyPr wrap="square" rtlCol="0">
+              <a:spAutoFit/>
+            </a:bodyPr>
+            <a:lstStyle/>
+            <a:p>
+              <a:pPr algn="ctr"/>
+              <a:r>
+                <a:rPr lang="en-US" altLang="ko-KR" sz="900" dirty="0"/>
+                <a:t>Data </a:t>
+              </a:r>
+              <a:r>
+                <a:rPr lang="ko-KR" altLang="en-US" sz="900" dirty="0"/>
+                <a:t>업데이트</a:t>
+              </a:r>
+            </a:p>
+          </p:txBody>
+        </p:sp>
+        <p:sp>
+          <p:nvSpPr>
+            <p:cNvPr id="68" name="TextBox 67">
+              <a:extLst>
+                <a:ext uri="{FF2B5EF4-FFF2-40B4-BE49-F238E27FC236}">
+                  <a16:creationId xmlns:a16="http://schemas.microsoft.com/office/drawing/2014/main" id="{E3DAB8B3-C68F-4CB7-8CD9-393C426B40F6}"/>
+                </a:ext>
+              </a:extLst>
+            </p:cNvPr>
+            <p:cNvSpPr txBox="1"/>
+            <p:nvPr/>
+          </p:nvSpPr>
+          <p:spPr>
+            <a:xfrm>
+              <a:off x="10046918" y="1522979"/>
+              <a:ext cx="1739809" cy="307777"/>
+            </a:xfrm>
+            <a:prstGeom prst="rect">
+              <a:avLst/>
+            </a:prstGeom>
+            <a:noFill/>
+          </p:spPr>
+          <p:txBody>
+            <a:bodyPr wrap="square" rtlCol="0">
+              <a:spAutoFit/>
+            </a:bodyPr>
+            <a:lstStyle/>
+            <a:p>
+              <a:pPr algn="ctr"/>
+              <a:r>
+                <a:rPr lang="en-US" altLang="ko-KR" sz="700" dirty="0"/>
+                <a:t>Content </a:t>
+              </a:r>
+              <a:r>
+                <a:rPr lang="ko-KR" altLang="en-US" sz="700" dirty="0"/>
+                <a:t>업데이트용 </a:t>
+              </a:r>
+              <a:endParaRPr lang="en-US" altLang="ko-KR" sz="700" dirty="0"/>
+            </a:p>
+            <a:p>
+              <a:pPr algn="ctr"/>
+              <a:r>
+                <a:rPr lang="ko-KR" altLang="en-US" sz="700" dirty="0"/>
+                <a:t>관리자 페이지</a:t>
+              </a:r>
+            </a:p>
+          </p:txBody>
+        </p:sp>
+        <p:sp>
+          <p:nvSpPr>
+            <p:cNvPr id="71" name="TextBox 70">
+              <a:extLst>
+                <a:ext uri="{FF2B5EF4-FFF2-40B4-BE49-F238E27FC236}">
+                  <a16:creationId xmlns:a16="http://schemas.microsoft.com/office/drawing/2014/main" id="{FC5783BD-BE64-4E90-A6BD-1EF3DDFC32BC}"/>
+                </a:ext>
+              </a:extLst>
+            </p:cNvPr>
+            <p:cNvSpPr txBox="1"/>
+            <p:nvPr/>
+          </p:nvSpPr>
+          <p:spPr>
+            <a:xfrm>
+              <a:off x="4490696" y="2513085"/>
+              <a:ext cx="1164754" cy="230832"/>
+            </a:xfrm>
+            <a:prstGeom prst="rect">
+              <a:avLst/>
+            </a:prstGeom>
+            <a:noFill/>
+          </p:spPr>
+          <p:txBody>
+            <a:bodyPr wrap="square" rtlCol="0">
+              <a:spAutoFit/>
+            </a:bodyPr>
+            <a:lstStyle/>
+            <a:p>
+              <a:pPr algn="ctr"/>
+              <a:r>
+                <a:rPr lang="en-US" altLang="ko-KR" sz="900" dirty="0"/>
+                <a:t>CI Tool</a:t>
+              </a:r>
+              <a:endParaRPr lang="ko-KR" altLang="en-US" sz="900" dirty="0"/>
+            </a:p>
+          </p:txBody>
+        </p:sp>
+        <p:pic>
+          <p:nvPicPr>
+            <p:cNvPr id="72" name="그림 71">
+              <a:extLst>
+                <a:ext uri="{FF2B5EF4-FFF2-40B4-BE49-F238E27FC236}">
+                  <a16:creationId xmlns:a16="http://schemas.microsoft.com/office/drawing/2014/main" id="{9EEF9A96-EB09-463C-A6F5-005008E7925F}"/>
+                </a:ext>
+              </a:extLst>
+            </p:cNvPr>
+            <p:cNvPicPr>
+              <a:picLocks noChangeAspect="1"/>
+            </p:cNvPicPr>
+            <p:nvPr/>
+          </p:nvPicPr>
+          <p:blipFill>
+            <a:blip r:embed="rId13">
+              <a:extLst>
+                <a:ext uri="{28A0092B-C50C-407E-A947-70E740481C1C}">
+                  <a14:useLocalDpi xmlns:a14="http://schemas.microsoft.com/office/drawing/2010/main" val="0"/>
+                </a:ext>
+              </a:extLst>
+            </a:blip>
+            <a:stretch>
+              <a:fillRect/>
+            </a:stretch>
+          </p:blipFill>
+          <p:spPr>
+            <a:xfrm>
+              <a:off x="4751882" y="2719319"/>
+              <a:ext cx="629741" cy="1025676"/>
+            </a:xfrm>
+            <a:prstGeom prst="rect">
+              <a:avLst/>
+            </a:prstGeom>
+          </p:spPr>
+        </p:pic>
         <p:pic>
           <p:nvPicPr>
             <p:cNvPr id="15" name="그림 14">
@@ -5698,7 +5511,7 @@
             <p:nvPr/>
           </p:nvPicPr>
           <p:blipFill>
-            <a:blip r:embed="rId16">
+            <a:blip r:embed="rId14">
               <a:extLst>
                 <a:ext uri="{28A0092B-C50C-407E-A947-70E740481C1C}">
                   <a14:useLocalDpi xmlns:a14="http://schemas.microsoft.com/office/drawing/2010/main" val="0"/>
@@ -5791,6 +5604,153 @@
             </a:p>
           </p:txBody>
         </p:sp>
+        <p:pic>
+          <p:nvPicPr>
+            <p:cNvPr id="13" name="그림 12">
+              <a:extLst>
+                <a:ext uri="{FF2B5EF4-FFF2-40B4-BE49-F238E27FC236}">
+                  <a16:creationId xmlns:a16="http://schemas.microsoft.com/office/drawing/2014/main" id="{B4FA6776-4CEB-4E6E-8ACD-515BA26CBCF9}"/>
+                </a:ext>
+              </a:extLst>
+            </p:cNvPr>
+            <p:cNvPicPr>
+              <a:picLocks noChangeAspect="1"/>
+            </p:cNvPicPr>
+            <p:nvPr/>
+          </p:nvPicPr>
+          <p:blipFill>
+            <a:blip r:embed="rId15">
+              <a:extLst>
+                <a:ext uri="{28A0092B-C50C-407E-A947-70E740481C1C}">
+                  <a14:useLocalDpi xmlns:a14="http://schemas.microsoft.com/office/drawing/2010/main" val="0"/>
+                </a:ext>
+              </a:extLst>
+            </a:blip>
+            <a:stretch>
+              <a:fillRect/>
+            </a:stretch>
+          </p:blipFill>
+          <p:spPr>
+            <a:xfrm>
+              <a:off x="1503837" y="3414751"/>
+              <a:ext cx="587778" cy="587778"/>
+            </a:xfrm>
+            <a:prstGeom prst="rect">
+              <a:avLst/>
+            </a:prstGeom>
+          </p:spPr>
+        </p:pic>
+        <p:grpSp>
+          <p:nvGrpSpPr>
+            <p:cNvPr id="20" name="그룹 19">
+              <a:extLst>
+                <a:ext uri="{FF2B5EF4-FFF2-40B4-BE49-F238E27FC236}">
+                  <a16:creationId xmlns:a16="http://schemas.microsoft.com/office/drawing/2014/main" id="{A8E3DF70-5304-4021-8E2C-CA20647ED71B}"/>
+                </a:ext>
+              </a:extLst>
+            </p:cNvPr>
+            <p:cNvGrpSpPr/>
+            <p:nvPr/>
+          </p:nvGrpSpPr>
+          <p:grpSpPr>
+            <a:xfrm>
+              <a:off x="6943122" y="1566658"/>
+              <a:ext cx="1563883" cy="968180"/>
+              <a:chOff x="6943122" y="1566658"/>
+              <a:chExt cx="1563883" cy="968180"/>
+            </a:xfrm>
+          </p:grpSpPr>
+          <p:sp>
+            <p:nvSpPr>
+              <p:cNvPr id="36" name="TextBox 35">
+                <a:extLst>
+                  <a:ext uri="{FF2B5EF4-FFF2-40B4-BE49-F238E27FC236}">
+                    <a16:creationId xmlns:a16="http://schemas.microsoft.com/office/drawing/2014/main" id="{D551E391-617A-4FF0-9BD3-294D638486F3}"/>
+                  </a:ext>
+                </a:extLst>
+              </p:cNvPr>
+              <p:cNvSpPr txBox="1"/>
+              <p:nvPr/>
+            </p:nvSpPr>
+            <p:spPr>
+              <a:xfrm>
+                <a:off x="6943122" y="2273228"/>
+                <a:ext cx="1563883" cy="261610"/>
+              </a:xfrm>
+              <a:prstGeom prst="rect">
+                <a:avLst/>
+              </a:prstGeom>
+              <a:noFill/>
+            </p:spPr>
+            <p:txBody>
+              <a:bodyPr wrap="square" rtlCol="0">
+                <a:spAutoFit/>
+              </a:bodyPr>
+              <a:lstStyle/>
+              <a:p>
+                <a:pPr algn="ctr"/>
+                <a:r>
+                  <a:rPr lang="en-US" altLang="ko-KR" sz="1100" dirty="0">
+                    <a:latin typeface="Microsoft GothicNeo" panose="020B0500000101010101" pitchFamily="50" charset="-127"/>
+                    <a:ea typeface="Microsoft GothicNeo" panose="020B0500000101010101" pitchFamily="50" charset="-127"/>
+                    <a:cs typeface="Microsoft GothicNeo" panose="020B0500000101010101" pitchFamily="50" charset="-127"/>
+                  </a:rPr>
+                  <a:t>Elasticsearch</a:t>
+                </a:r>
+                <a:endParaRPr lang="ko-KR" altLang="en-US" sz="1100" dirty="0">
+                  <a:latin typeface="Microsoft GothicNeo" panose="020B0500000101010101" pitchFamily="50" charset="-127"/>
+                  <a:ea typeface="Microsoft GothicNeo" panose="020B0500000101010101" pitchFamily="50" charset="-127"/>
+                  <a:cs typeface="Microsoft GothicNeo" panose="020B0500000101010101" pitchFamily="50" charset="-127"/>
+                </a:endParaRPr>
+              </a:p>
+            </p:txBody>
+          </p:sp>
+          <p:pic>
+            <p:nvPicPr>
+              <p:cNvPr id="18" name="Picture 2">
+                <a:extLst>
+                  <a:ext uri="{FF2B5EF4-FFF2-40B4-BE49-F238E27FC236}">
+                    <a16:creationId xmlns:a16="http://schemas.microsoft.com/office/drawing/2014/main" id="{840982EE-E7BE-435E-9A1A-9A1FE5DD26A7}"/>
+                  </a:ext>
+                </a:extLst>
+              </p:cNvPr>
+              <p:cNvPicPr>
+                <a:picLocks noChangeAspect="1" noChangeArrowheads="1"/>
+              </p:cNvPicPr>
+              <p:nvPr/>
+            </p:nvPicPr>
+            <p:blipFill rotWithShape="1">
+              <a:blip r:embed="rId16">
+                <a:extLst>
+                  <a:ext uri="{28A0092B-C50C-407E-A947-70E740481C1C}">
+                    <a14:useLocalDpi xmlns:a14="http://schemas.microsoft.com/office/drawing/2010/main" val="0"/>
+                  </a:ext>
+                </a:extLst>
+              </a:blip>
+              <a:srcRect l="25263" r="28797" b="21019"/>
+              <a:stretch/>
+            </p:blipFill>
+            <p:spPr bwMode="auto">
+              <a:xfrm>
+                <a:off x="7291160" y="1566658"/>
+                <a:ext cx="821551" cy="759388"/>
+              </a:xfrm>
+              <a:prstGeom prst="rect">
+                <a:avLst/>
+              </a:prstGeom>
+              <a:noFill/>
+              <a:extLst>
+                <a:ext uri="{909E8E84-426E-40DD-AFC4-6F175D3DCCD1}">
+                  <a14:hiddenFill xmlns:a14="http://schemas.microsoft.com/office/drawing/2010/main">
+                    <a:solidFill>
+                      <a:srgbClr val="FFFFFF"/>
+                    </a:solidFill>
+                  </a14:hiddenFill>
+                </a:ext>
+              </a:extLst>
+            </p:spPr>
+          </p:pic>
+        </p:grpSp>
       </p:grpSp>
     </p:spTree>
     <p:extLst>
